--- a/reunions/XAIGUIFORMER_reu1.pptx
+++ b/reunions/XAIGUIFORMER_reu1.pptx
@@ -5603,7 +5603,7 @@
         <p:spPr>
           <a:xfrm>
             <a:off x="6820592" y="3065298"/>
-            <a:ext cx="4643698" cy="1477328"/>
+            <a:ext cx="4643698" cy="1754326"/>
           </a:xfrm>
           <a:prstGeom prst="rect">
             <a:avLst/>
@@ -5690,7 +5690,25 @@
               <a:rPr lang="fr-FR" dirty="0">
                 <a:sym typeface="Wingdings" pitchFamily="2" charset="2"/>
               </a:rPr>
-              <a:t>Déposé sur git mais pas encore utilisé</a:t>
+              <a:t>Trop gros  </a:t>
+            </a:r>
+            <a:r>
+              <a:rPr lang="fr-FR" dirty="0" err="1">
+                <a:sym typeface="Wingdings" pitchFamily="2" charset="2"/>
+              </a:rPr>
+              <a:t>whatsapp</a:t>
+            </a:r>
+            <a:r>
+              <a:rPr lang="fr-FR">
+                <a:sym typeface="Wingdings" pitchFamily="2" charset="2"/>
+              </a:rPr>
+              <a:t> mais </a:t>
+            </a:r>
+            <a:r>
+              <a:rPr lang="fr-FR" dirty="0">
+                <a:sym typeface="Wingdings" pitchFamily="2" charset="2"/>
+              </a:rPr>
+              <a:t>pas encore utilisé</a:t>
             </a:r>
             <a:endParaRPr lang="fr-FR" dirty="0"/>
           </a:p>

--- a/reunions/XAIGUIFORMER_reu1.pptx
+++ b/reunions/XAIGUIFORMER_reu1.pptx
@@ -5,7 +5,7 @@
     <p:sldMasterId id="2147483648" r:id="rId1"/>
   </p:sldMasterIdLst>
   <p:notesMasterIdLst>
-    <p:notesMasterId r:id="rId14"/>
+    <p:notesMasterId r:id="rId15"/>
   </p:notesMasterIdLst>
   <p:sldIdLst>
     <p:sldId id="257" r:id="rId2"/>
@@ -20,6 +20,7 @@
     <p:sldId id="265" r:id="rId11"/>
     <p:sldId id="267" r:id="rId12"/>
     <p:sldId id="269" r:id="rId13"/>
+    <p:sldId id="270" r:id="rId14"/>
   </p:sldIdLst>
   <p:sldSz cx="12192000" cy="6858000"/>
   <p:notesSz cx="6858000" cy="9144000"/>
@@ -118,6 +119,11 @@
       </a:defRPr>
     </a:lvl9pPr>
   </p:defaultTextStyle>
+  <p:extLst>
+    <p:ext uri="{EFAFB233-063F-42B5-8137-9DF3F51BA10A}">
+      <p15:sldGuideLst xmlns:p15="http://schemas.microsoft.com/office/powerpoint/2012/main"/>
+    </p:ext>
+  </p:extLst>
 </p:presentation>
 </file>
 
@@ -3753,7 +3759,7 @@
               <a:rPr lang="fr-FR" dirty="0">
                 <a:sym typeface="Wingdings" pitchFamily="2" charset="2"/>
               </a:rPr>
-              <a:t> Chargement </a:t>
+              <a:t> Exploration </a:t>
             </a:r>
             <a:r>
               <a:rPr lang="fr-FR" dirty="0" err="1">
@@ -5170,6 +5176,266 @@
 </p:sld>
 </file>
 
+<file path=ppt/slides/slide13.xml><?xml version="1.0" encoding="utf-8"?>
+<p:sld xmlns:a="http://schemas.openxmlformats.org/drawingml/2006/main" xmlns:r="http://schemas.openxmlformats.org/officeDocument/2006/relationships" xmlns:p="http://schemas.openxmlformats.org/presentationml/2006/main">
+  <p:cSld>
+    <p:spTree>
+      <p:nvGrpSpPr>
+        <p:cNvPr id="1" name=""/>
+        <p:cNvGrpSpPr/>
+        <p:nvPr/>
+      </p:nvGrpSpPr>
+      <p:grpSpPr>
+        <a:xfrm>
+          <a:off x="0" y="0"/>
+          <a:ext cx="0" cy="0"/>
+          <a:chOff x="0" y="0"/>
+          <a:chExt cx="0" cy="0"/>
+        </a:xfrm>
+      </p:grpSpPr>
+      <p:sp>
+        <p:nvSpPr>
+          <p:cNvPr id="2" name="Titre 1">
+            <a:extLst>
+              <a:ext uri="{FF2B5EF4-FFF2-40B4-BE49-F238E27FC236}">
+                <a16:creationId xmlns:a16="http://schemas.microsoft.com/office/drawing/2014/main" id="{17F45331-83A3-855C-28F8-C3EE2CD0AC58}"/>
+              </a:ext>
+            </a:extLst>
+          </p:cNvPr>
+          <p:cNvSpPr>
+            <a:spLocks noGrp="1"/>
+          </p:cNvSpPr>
+          <p:nvPr>
+            <p:ph type="title"/>
+          </p:nvPr>
+        </p:nvSpPr>
+        <p:spPr/>
+        <p:txBody>
+          <a:bodyPr/>
+          <a:lstStyle/>
+          <a:p>
+            <a:r>
+              <a:rPr lang="fr-FR" dirty="0"/>
+              <a:t>À suivre …</a:t>
+            </a:r>
+          </a:p>
+        </p:txBody>
+      </p:sp>
+      <p:sp>
+        <p:nvSpPr>
+          <p:cNvPr id="3" name="Espace réservé du contenu 2">
+            <a:extLst>
+              <a:ext uri="{FF2B5EF4-FFF2-40B4-BE49-F238E27FC236}">
+                <a16:creationId xmlns:a16="http://schemas.microsoft.com/office/drawing/2014/main" id="{2A5F152D-1C81-9A23-5469-EAF305B02289}"/>
+              </a:ext>
+            </a:extLst>
+          </p:cNvPr>
+          <p:cNvSpPr>
+            <a:spLocks noGrp="1"/>
+          </p:cNvSpPr>
+          <p:nvPr>
+            <p:ph idx="1"/>
+          </p:nvPr>
+        </p:nvSpPr>
+        <p:spPr/>
+        <p:txBody>
+          <a:bodyPr/>
+          <a:lstStyle/>
+          <a:p>
+            <a:r>
+              <a:rPr lang="fr-FR" dirty="0"/>
+              <a:t>Partie théorique sur le filtre de </a:t>
+            </a:r>
+            <a:r>
+              <a:rPr lang="fr-FR" sz="2800" i="0" strike="noStrike" dirty="0" err="1">
+                <a:solidFill>
+                  <a:srgbClr val="000000"/>
+                </a:solidFill>
+                <a:effectLst/>
+              </a:rPr>
+              <a:t>Butterworth</a:t>
+            </a:r>
+            <a:r>
+              <a:rPr lang="fr-FR" sz="2800" i="0" strike="noStrike" dirty="0">
+                <a:solidFill>
+                  <a:srgbClr val="000000"/>
+                </a:solidFill>
+                <a:effectLst/>
+              </a:rPr>
+              <a:t> ? </a:t>
+            </a:r>
+            <a:r>
+              <a:rPr lang="fr-FR" dirty="0">
+                <a:solidFill>
+                  <a:srgbClr val="000000"/>
+                </a:solidFill>
+              </a:rPr>
+              <a:t>o</a:t>
+            </a:r>
+            <a:r>
+              <a:rPr lang="fr-FR" sz="2800" i="0" strike="noStrike" dirty="0">
+                <a:solidFill>
+                  <a:srgbClr val="000000"/>
+                </a:solidFill>
+                <a:effectLst/>
+              </a:rPr>
+              <a:t>ui/non</a:t>
+            </a:r>
+          </a:p>
+          <a:p>
+            <a:r>
+              <a:rPr lang="fr-FR" sz="2800" i="0" strike="noStrike" dirty="0">
+                <a:solidFill>
+                  <a:srgbClr val="000000"/>
+                </a:solidFill>
+                <a:effectLst/>
+              </a:rPr>
+              <a:t>Ajouter les fréquences alpha haut/bas etc. </a:t>
+            </a:r>
+          </a:p>
+          <a:p>
+            <a:r>
+              <a:rPr lang="fr-FR" dirty="0"/>
+              <a:t> Commencer à faire les connectomes (basé sur 2 matrices de connectivité : </a:t>
+            </a:r>
+            <a:r>
+              <a:rPr lang="fr-FR" i="0" u="none" strike="noStrike" dirty="0" err="1">
+                <a:solidFill>
+                  <a:srgbClr val="000000"/>
+                </a:solidFill>
+                <a:effectLst/>
+              </a:rPr>
+              <a:t>wPLI</a:t>
+            </a:r>
+            <a:r>
+              <a:rPr lang="fr-FR" i="0" u="none" strike="noStrike" dirty="0">
+                <a:solidFill>
+                  <a:srgbClr val="000000"/>
+                </a:solidFill>
+                <a:effectLst/>
+              </a:rPr>
+              <a:t> (via MNE) </a:t>
+            </a:r>
+            <a:r>
+              <a:rPr lang="fr-FR" b="1" i="0" u="none" strike="noStrike" dirty="0">
+                <a:solidFill>
+                  <a:srgbClr val="000000"/>
+                </a:solidFill>
+                <a:effectLst/>
+              </a:rPr>
+              <a:t>+ </a:t>
+            </a:r>
+            <a:r>
+              <a:rPr lang="fr-FR" b="0" i="0" u="none" strike="noStrike" dirty="0" err="1">
+                <a:solidFill>
+                  <a:srgbClr val="000000"/>
+                </a:solidFill>
+                <a:effectLst/>
+                <a:latin typeface="-webkit-standard"/>
+              </a:rPr>
+              <a:t>Coherence</a:t>
+            </a:r>
+            <a:r>
+              <a:rPr lang="fr-FR" b="0" i="0" u="none" strike="noStrike" dirty="0">
+                <a:solidFill>
+                  <a:srgbClr val="000000"/>
+                </a:solidFill>
+                <a:effectLst/>
+                <a:latin typeface="-webkit-standard"/>
+              </a:rPr>
+              <a:t> à construire</a:t>
+            </a:r>
+            <a:r>
+              <a:rPr lang="fr-FR" dirty="0"/>
+              <a:t>)</a:t>
+            </a:r>
+          </a:p>
+          <a:p>
+            <a:r>
+              <a:rPr lang="fr-FR" dirty="0"/>
+              <a:t>Théorie</a:t>
+            </a:r>
+          </a:p>
+          <a:p>
+            <a:r>
+              <a:rPr lang="fr-FR" dirty="0"/>
+              <a:t>Faire les </a:t>
+            </a:r>
+            <a:r>
+              <a:rPr lang="fr-FR" dirty="0" err="1"/>
+              <a:t>token</a:t>
+            </a:r>
+            <a:r>
+              <a:rPr lang="fr-FR" dirty="0"/>
+              <a:t> de chacun des connectomes (</a:t>
+            </a:r>
+            <a:r>
+              <a:rPr lang="fr-FR" dirty="0" err="1"/>
+              <a:t>need</a:t>
+            </a:r>
+            <a:r>
+              <a:rPr lang="fr-FR" dirty="0"/>
+              <a:t> dimensions pour Robin) </a:t>
+            </a:r>
+            <a:r>
+              <a:rPr lang="fr-FR" dirty="0">
+                <a:solidFill>
+                  <a:srgbClr val="0070C0"/>
+                </a:solidFill>
+              </a:rPr>
+              <a:t>(=Innovation 1)</a:t>
+            </a:r>
+          </a:p>
+          <a:p>
+            <a:r>
+              <a:rPr lang="fr-FR" dirty="0"/>
+              <a:t>Théorie</a:t>
+            </a:r>
+          </a:p>
+        </p:txBody>
+      </p:sp>
+      <p:sp>
+        <p:nvSpPr>
+          <p:cNvPr id="4" name="Espace réservé du numéro de diapositive 3">
+            <a:extLst>
+              <a:ext uri="{FF2B5EF4-FFF2-40B4-BE49-F238E27FC236}">
+                <a16:creationId xmlns:a16="http://schemas.microsoft.com/office/drawing/2014/main" id="{E1C68035-F5E0-6797-817F-9DD0226B0B59}"/>
+              </a:ext>
+            </a:extLst>
+          </p:cNvPr>
+          <p:cNvSpPr>
+            <a:spLocks noGrp="1"/>
+          </p:cNvSpPr>
+          <p:nvPr>
+            <p:ph type="sldNum" sz="quarter" idx="12"/>
+          </p:nvPr>
+        </p:nvSpPr>
+        <p:spPr/>
+        <p:txBody>
+          <a:bodyPr/>
+          <a:lstStyle/>
+          <a:p>
+            <a:fld id="{E89C7986-48BB-8D49-A26D-6F9777E96737}" type="slidenum">
+              <a:rPr lang="fr-FR" smtClean="0"/>
+              <a:t>13</a:t>
+            </a:fld>
+            <a:endParaRPr lang="fr-FR"/>
+          </a:p>
+        </p:txBody>
+      </p:sp>
+    </p:spTree>
+    <p:extLst>
+      <p:ext uri="{BB962C8B-B14F-4D97-AF65-F5344CB8AC3E}">
+        <p14:creationId xmlns:p14="http://schemas.microsoft.com/office/powerpoint/2010/main" val="1138943819"/>
+      </p:ext>
+    </p:extLst>
+  </p:cSld>
+  <p:clrMapOvr>
+    <a:masterClrMapping/>
+  </p:clrMapOvr>
+</p:sld>
+</file>
+
 <file path=ppt/slides/slide2.xml><?xml version="1.0" encoding="utf-8"?>
 <p:sld xmlns:a="http://schemas.openxmlformats.org/drawingml/2006/main" xmlns:r="http://schemas.openxmlformats.org/officeDocument/2006/relationships" xmlns:p="http://schemas.openxmlformats.org/presentationml/2006/main">
   <p:cSld>
@@ -5317,8 +5583,8 @@
         </p:nvSpPr>
         <p:spPr>
           <a:xfrm>
-            <a:off x="6975853" y="3726180"/>
-            <a:ext cx="5016987" cy="1477328"/>
+            <a:off x="6866448" y="2603629"/>
+            <a:ext cx="5016987" cy="2862322"/>
           </a:xfrm>
           <a:prstGeom prst="rect">
             <a:avLst/>
@@ -5356,30 +5622,108 @@
               <a:rPr lang="fr-FR" dirty="0"/>
               <a:t>Need identifiants + signer attestation de non-divulgation </a:t>
             </a:r>
+          </a:p>
+          <a:p>
+            <a:pPr marL="285750" indent="-285750" algn="ctr">
+              <a:buFont typeface="Wingdings" pitchFamily="2" charset="2"/>
+              <a:buChar char="à"/>
+            </a:pPr>
+            <a:r>
+              <a:rPr lang="fr-FR" dirty="0" err="1">
+                <a:sym typeface="Wingdings" pitchFamily="2" charset="2"/>
+              </a:rPr>
+              <a:t>Asked</a:t>
+            </a:r>
             <a:r>
               <a:rPr lang="fr-FR" dirty="0">
                 <a:sym typeface="Wingdings" pitchFamily="2" charset="2"/>
               </a:rPr>
-              <a:t> </a:t>
+              <a:t> par mail ✅</a:t>
+            </a:r>
+          </a:p>
+          <a:p>
+            <a:pPr marL="285750" indent="-285750" algn="ctr">
+              <a:buFont typeface="Wingdings" pitchFamily="2" charset="2"/>
+              <a:buChar char="à"/>
+            </a:pPr>
+            <a:r>
+              <a:rPr lang="fr-FR" dirty="0">
+                <a:solidFill>
+                  <a:srgbClr val="FF0000"/>
+                </a:solidFill>
+                <a:sym typeface="Wingdings" pitchFamily="2" charset="2"/>
+              </a:rPr>
+              <a:t>Mais refus : </a:t>
             </a:r>
             <a:r>
               <a:rPr lang="fr-FR" dirty="0" err="1">
+                <a:solidFill>
+                  <a:srgbClr val="FF0000"/>
+                </a:solidFill>
                 <a:sym typeface="Wingdings" pitchFamily="2" charset="2"/>
               </a:rPr>
-              <a:t>Ask</a:t>
+              <a:t>need</a:t>
             </a:r>
             <a:r>
               <a:rPr lang="fr-FR" dirty="0">
+                <a:solidFill>
+                  <a:srgbClr val="FF0000"/>
+                </a:solidFill>
                 <a:sym typeface="Wingdings" pitchFamily="2" charset="2"/>
               </a:rPr>
-              <a:t> par mail ✅</a:t>
-            </a:r>
-            <a:endParaRPr lang="fr-FR" dirty="0">
-              <a:solidFill>
-                <a:srgbClr val="FF0000"/>
-              </a:solidFill>
-              <a:sym typeface="Wingdings" pitchFamily="2" charset="2"/>
-            </a:endParaRPr>
+              <a:t> infos spécifiques (ils me recommandent de voir avec l’école) </a:t>
+            </a:r>
+          </a:p>
+          <a:p>
+            <a:pPr marL="285750" indent="-285750" algn="ctr">
+              <a:buFont typeface="Wingdings" pitchFamily="2" charset="2"/>
+              <a:buChar char="à"/>
+            </a:pPr>
+            <a:r>
+              <a:rPr lang="fr-FR" dirty="0">
+                <a:solidFill>
+                  <a:srgbClr val="FF0000"/>
+                </a:solidFill>
+                <a:sym typeface="Wingdings" pitchFamily="2" charset="2"/>
+              </a:rPr>
+              <a:t>Est-ce qu’on envoie un mail au prof </a:t>
+            </a:r>
+            <a:r>
+              <a:rPr lang="fr-FR" dirty="0" err="1">
+                <a:solidFill>
+                  <a:srgbClr val="FF0000"/>
+                </a:solidFill>
+                <a:sym typeface="Wingdings" pitchFamily="2" charset="2"/>
+              </a:rPr>
+              <a:t>sahcant</a:t>
+            </a:r>
+            <a:r>
+              <a:rPr lang="fr-FR" dirty="0">
+                <a:solidFill>
+                  <a:srgbClr val="FF0000"/>
+                </a:solidFill>
+                <a:sym typeface="Wingdings" pitchFamily="2" charset="2"/>
+              </a:rPr>
+              <a:t> qu’on a d’autres </a:t>
+            </a:r>
+            <a:r>
+              <a:rPr lang="fr-FR" dirty="0" err="1">
+                <a:solidFill>
+                  <a:srgbClr val="FF0000"/>
+                </a:solidFill>
+                <a:sym typeface="Wingdings" pitchFamily="2" charset="2"/>
+              </a:rPr>
+              <a:t>dataset</a:t>
+            </a:r>
+            <a:r>
+              <a:rPr lang="fr-FR" dirty="0">
+                <a:solidFill>
+                  <a:srgbClr val="FF0000"/>
+                </a:solidFill>
+                <a:sym typeface="Wingdings" pitchFamily="2" charset="2"/>
+              </a:rPr>
+              <a:t> ?</a:t>
+            </a:r>
           </a:p>
           <a:p>
             <a:pPr marL="285750" indent="-285750">
@@ -5540,6 +5884,11 @@
           <a:prstGeom prst="rect">
             <a:avLst/>
           </a:prstGeom>
+          <a:ln>
+            <a:solidFill>
+              <a:schemeClr val="tx1"/>
+            </a:solidFill>
+          </a:ln>
         </p:spPr>
       </p:pic>
       <p:sp>
@@ -5853,6 +6202,11 @@
           <a:prstGeom prst="rect">
             <a:avLst/>
           </a:prstGeom>
+          <a:ln>
+            <a:solidFill>
+              <a:schemeClr val="tx1"/>
+            </a:solidFill>
+          </a:ln>
         </p:spPr>
       </p:pic>
       <p:sp>

--- a/reunions/XAIGUIFORMER_reu1.pptx
+++ b/reunions/XAIGUIFORMER_reu1.pptx
@@ -5,7 +5,7 @@
     <p:sldMasterId id="2147483648" r:id="rId1"/>
   </p:sldMasterIdLst>
   <p:notesMasterIdLst>
-    <p:notesMasterId r:id="rId15"/>
+    <p:notesMasterId r:id="rId16"/>
   </p:notesMasterIdLst>
   <p:sldIdLst>
     <p:sldId id="257" r:id="rId2"/>
@@ -21,6 +21,7 @@
     <p:sldId id="267" r:id="rId12"/>
     <p:sldId id="269" r:id="rId13"/>
     <p:sldId id="270" r:id="rId14"/>
+    <p:sldId id="273" r:id="rId15"/>
   </p:sldIdLst>
   <p:sldSz cx="12192000" cy="6858000"/>
   <p:notesSz cx="6858000" cy="9144000"/>
@@ -209,7 +210,7 @@
           <a:p>
             <a:fld id="{6B2EDFB6-FF7D-0146-8758-81B07422482B}" type="datetimeFigureOut">
               <a:rPr lang="fr-FR" smtClean="0"/>
-              <a:t>19/05/2025</a:t>
+              <a:t>24/05/2025</a:t>
             </a:fld>
             <a:endParaRPr lang="fr-FR"/>
           </a:p>
@@ -623,7 +624,7 @@
           <a:p>
             <a:fld id="{B77DCF95-0403-2845-87C1-DADC67EE42EA}" type="datetime1">
               <a:rPr lang="fr-FR" smtClean="0"/>
-              <a:t>19/05/2025</a:t>
+              <a:t>24/05/2025</a:t>
             </a:fld>
             <a:endParaRPr lang="fr-FR"/>
           </a:p>
@@ -821,7 +822,7 @@
           <a:p>
             <a:fld id="{6B8F1B39-C322-A04D-AC07-5F392F439696}" type="datetime1">
               <a:rPr lang="fr-FR" smtClean="0"/>
-              <a:t>19/05/2025</a:t>
+              <a:t>24/05/2025</a:t>
             </a:fld>
             <a:endParaRPr lang="fr-FR"/>
           </a:p>
@@ -1029,7 +1030,7 @@
           <a:p>
             <a:fld id="{8B46D0DD-10A5-7044-AB4D-05EF694956B6}" type="datetime1">
               <a:rPr lang="fr-FR" smtClean="0"/>
-              <a:t>19/05/2025</a:t>
+              <a:t>24/05/2025</a:t>
             </a:fld>
             <a:endParaRPr lang="fr-FR"/>
           </a:p>
@@ -1227,7 +1228,7 @@
           <a:p>
             <a:fld id="{39DEF5BB-E754-2F48-BC3C-B5CAA9972BB8}" type="datetime1">
               <a:rPr lang="fr-FR" smtClean="0"/>
-              <a:t>19/05/2025</a:t>
+              <a:t>24/05/2025</a:t>
             </a:fld>
             <a:endParaRPr lang="fr-FR"/>
           </a:p>
@@ -1502,7 +1503,7 @@
           <a:p>
             <a:fld id="{2DEC562C-03F3-2543-8160-8D19367C74A9}" type="datetime1">
               <a:rPr lang="fr-FR" smtClean="0"/>
-              <a:t>19/05/2025</a:t>
+              <a:t>24/05/2025</a:t>
             </a:fld>
             <a:endParaRPr lang="fr-FR"/>
           </a:p>
@@ -1767,7 +1768,7 @@
           <a:p>
             <a:fld id="{0F5133A8-4A57-F045-942E-4486EE349E87}" type="datetime1">
               <a:rPr lang="fr-FR" smtClean="0"/>
-              <a:t>19/05/2025</a:t>
+              <a:t>24/05/2025</a:t>
             </a:fld>
             <a:endParaRPr lang="fr-FR"/>
           </a:p>
@@ -2179,7 +2180,7 @@
           <a:p>
             <a:fld id="{653767A4-61FF-AC4E-8671-CA1F94BC3522}" type="datetime1">
               <a:rPr lang="fr-FR" smtClean="0"/>
-              <a:t>19/05/2025</a:t>
+              <a:t>24/05/2025</a:t>
             </a:fld>
             <a:endParaRPr lang="fr-FR"/>
           </a:p>
@@ -2320,7 +2321,7 @@
           <a:p>
             <a:fld id="{A0D78F66-6F3D-474A-B1E2-173855CB6421}" type="datetime1">
               <a:rPr lang="fr-FR" smtClean="0"/>
-              <a:t>19/05/2025</a:t>
+              <a:t>24/05/2025</a:t>
             </a:fld>
             <a:endParaRPr lang="fr-FR"/>
           </a:p>
@@ -2433,7 +2434,7 @@
           <a:p>
             <a:fld id="{48C3781A-224C-F441-B7BD-EC88C215AD20}" type="datetime1">
               <a:rPr lang="fr-FR" smtClean="0"/>
-              <a:t>19/05/2025</a:t>
+              <a:t>24/05/2025</a:t>
             </a:fld>
             <a:endParaRPr lang="fr-FR"/>
           </a:p>
@@ -2744,7 +2745,7 @@
           <a:p>
             <a:fld id="{90408E93-3E3E-2B4E-B1A2-11D2F3A69E18}" type="datetime1">
               <a:rPr lang="fr-FR" smtClean="0"/>
-              <a:t>19/05/2025</a:t>
+              <a:t>24/05/2025</a:t>
             </a:fld>
             <a:endParaRPr lang="fr-FR"/>
           </a:p>
@@ -3032,7 +3033,7 @@
           <a:p>
             <a:fld id="{A37DFE11-EBB0-2A47-BD40-C74E9C353F06}" type="datetime1">
               <a:rPr lang="fr-FR" smtClean="0"/>
-              <a:t>19/05/2025</a:t>
+              <a:t>24/05/2025</a:t>
             </a:fld>
             <a:endParaRPr lang="fr-FR"/>
           </a:p>
@@ -3273,7 +3274,7 @@
           <a:p>
             <a:fld id="{A5492838-6D45-E84B-B7CC-104133AC4EBD}" type="datetime1">
               <a:rPr lang="fr-FR" smtClean="0"/>
-              <a:t>19/05/2025</a:t>
+              <a:t>24/05/2025</a:t>
             </a:fld>
             <a:endParaRPr lang="fr-FR"/>
           </a:p>
@@ -4099,14 +4100,14 @@
           <p:nvPr>
             <p:extLst>
               <p:ext uri="{D42A27DB-BD31-4B8C-83A1-F6EECF244321}">
-                <p14:modId xmlns:p14="http://schemas.microsoft.com/office/powerpoint/2010/main" val="698762343"/>
+                <p14:modId xmlns:p14="http://schemas.microsoft.com/office/powerpoint/2010/main" val="4012121509"/>
               </p:ext>
             </p:extLst>
           </p:nvPr>
         </p:nvGraphicFramePr>
         <p:xfrm>
-          <a:off x="2301241" y="1774815"/>
-          <a:ext cx="7402829" cy="2468880"/>
+          <a:off x="2289666" y="1545497"/>
+          <a:ext cx="6171427" cy="3221700"/>
         </p:xfrm>
         <a:graphic>
           <a:graphicData uri="http://schemas.openxmlformats.org/drawingml/2006/table">
@@ -4115,21 +4116,21 @@
                 <a:tableStyleId>{D7AC3CCA-C797-4891-BE02-D94E43425B78}</a:tableStyleId>
               </a:tblPr>
               <a:tblGrid>
-                <a:gridCol w="1307075">
+                <a:gridCol w="1089653">
                   <a:extLst>
                     <a:ext uri="{9D8B030D-6E8A-4147-A177-3AD203B41FA5}">
                       <a16:colId xmlns:a16="http://schemas.microsoft.com/office/drawing/2014/main" val="2814012237"/>
                     </a:ext>
                   </a:extLst>
                 </a:gridCol>
-                <a:gridCol w="2285917">
+                <a:gridCol w="1905673">
                   <a:extLst>
                     <a:ext uri="{9D8B030D-6E8A-4147-A177-3AD203B41FA5}">
                       <a16:colId xmlns:a16="http://schemas.microsoft.com/office/drawing/2014/main" val="1119050677"/>
                     </a:ext>
                   </a:extLst>
                 </a:gridCol>
-                <a:gridCol w="3809837">
+                <a:gridCol w="3176101">
                   <a:extLst>
                     <a:ext uri="{9D8B030D-6E8A-4147-A177-3AD203B41FA5}">
                       <a16:colId xmlns:a16="http://schemas.microsoft.com/office/drawing/2014/main" val="872333667"/>
@@ -4137,734 +4138,7 @@
                   </a:extLst>
                 </a:gridCol>
               </a:tblGrid>
-              <a:tr h="0">
-                <a:tc>
-                  <a:txBody>
-                    <a:bodyPr/>
-                    <a:lstStyle/>
-                    <a:p>
-                      <a:pPr algn="ctr"/>
-                      <a:r>
-                        <a:rPr lang="fr-FR" b="1" dirty="0"/>
-                        <a:t>Bande</a:t>
-                      </a:r>
-                    </a:p>
-                  </a:txBody>
-                  <a:tcPr anchor="ctr"/>
-                </a:tc>
-                <a:tc>
-                  <a:txBody>
-                    <a:bodyPr/>
-                    <a:lstStyle/>
-                    <a:p>
-                      <a:pPr algn="ctr"/>
-                      <a:r>
-                        <a:rPr lang="fr-FR" b="1" dirty="0"/>
-                        <a:t>Plage de fréquence (Hz)</a:t>
-                      </a:r>
-                    </a:p>
-                  </a:txBody>
-                  <a:tcPr anchor="ctr"/>
-                </a:tc>
-                <a:tc>
-                  <a:txBody>
-                    <a:bodyPr/>
-                    <a:lstStyle/>
-                    <a:p>
-                      <a:pPr algn="ctr"/>
-                      <a:r>
-                        <a:rPr lang="fr-FR" b="1" dirty="0"/>
-                        <a:t>Interprétation</a:t>
-                      </a:r>
-                    </a:p>
-                  </a:txBody>
-                  <a:tcPr anchor="ctr"/>
-                </a:tc>
-                <a:extLst>
-                  <a:ext uri="{0D108BD9-81ED-4DB2-BD59-A6C34878D82A}">
-                    <a16:rowId xmlns:a16="http://schemas.microsoft.com/office/drawing/2014/main" val="1426883283"/>
-                  </a:ext>
-                </a:extLst>
-              </a:tr>
-              <a:tr h="0">
-                <a:tc>
-                  <a:txBody>
-                    <a:bodyPr/>
-                    <a:lstStyle/>
-                    <a:p>
-                      <a:pPr algn="ctr"/>
-                      <a:r>
-                        <a:rPr lang="fr-FR" b="1" dirty="0"/>
-                        <a:t>Delta</a:t>
-                      </a:r>
-                    </a:p>
-                  </a:txBody>
-                  <a:tcPr anchor="ctr"/>
-                </a:tc>
-                <a:tc>
-                  <a:txBody>
-                    <a:bodyPr/>
-                    <a:lstStyle/>
-                    <a:p>
-                      <a:pPr algn="ctr"/>
-                      <a:r>
-                        <a:rPr lang="fr-FR" dirty="0"/>
-                        <a:t>0.5 – 4</a:t>
-                      </a:r>
-                    </a:p>
-                  </a:txBody>
-                  <a:tcPr anchor="ctr"/>
-                </a:tc>
-                <a:tc>
-                  <a:txBody>
-                    <a:bodyPr/>
-                    <a:lstStyle/>
-                    <a:p>
-                      <a:pPr algn="ctr"/>
-                      <a:r>
-                        <a:rPr lang="fr-FR"/>
-                        <a:t>Sommeil profond</a:t>
-                      </a:r>
-                    </a:p>
-                  </a:txBody>
-                  <a:tcPr anchor="ctr"/>
-                </a:tc>
-                <a:extLst>
-                  <a:ext uri="{0D108BD9-81ED-4DB2-BD59-A6C34878D82A}">
-                    <a16:rowId xmlns:a16="http://schemas.microsoft.com/office/drawing/2014/main" val="549244555"/>
-                  </a:ext>
-                </a:extLst>
-              </a:tr>
-              <a:tr h="0">
-                <a:tc>
-                  <a:txBody>
-                    <a:bodyPr/>
-                    <a:lstStyle/>
-                    <a:p>
-                      <a:pPr algn="ctr"/>
-                      <a:r>
-                        <a:rPr lang="fr-FR" b="1" dirty="0" err="1"/>
-                        <a:t>Theta</a:t>
-                      </a:r>
-                      <a:endParaRPr lang="fr-FR" b="1" dirty="0"/>
-                    </a:p>
-                  </a:txBody>
-                  <a:tcPr anchor="ctr"/>
-                </a:tc>
-                <a:tc>
-                  <a:txBody>
-                    <a:bodyPr/>
-                    <a:lstStyle/>
-                    <a:p>
-                      <a:pPr algn="ctr"/>
-                      <a:r>
-                        <a:rPr lang="fr-FR" dirty="0"/>
-                        <a:t>4 – 8</a:t>
-                      </a:r>
-                    </a:p>
-                  </a:txBody>
-                  <a:tcPr anchor="ctr"/>
-                </a:tc>
-                <a:tc>
-                  <a:txBody>
-                    <a:bodyPr/>
-                    <a:lstStyle/>
-                    <a:p>
-                      <a:pPr algn="ctr"/>
-                      <a:r>
-                        <a:rPr lang="fr-FR"/>
-                        <a:t>Sommeil léger, méditation</a:t>
-                      </a:r>
-                    </a:p>
-                  </a:txBody>
-                  <a:tcPr anchor="ctr"/>
-                </a:tc>
-                <a:extLst>
-                  <a:ext uri="{0D108BD9-81ED-4DB2-BD59-A6C34878D82A}">
-                    <a16:rowId xmlns:a16="http://schemas.microsoft.com/office/drawing/2014/main" val="1476045045"/>
-                  </a:ext>
-                </a:extLst>
-              </a:tr>
-              <a:tr h="0">
-                <a:tc>
-                  <a:txBody>
-                    <a:bodyPr/>
-                    <a:lstStyle/>
-                    <a:p>
-                      <a:pPr algn="ctr"/>
-                      <a:r>
-                        <a:rPr lang="fr-FR" b="1" dirty="0"/>
-                        <a:t>Alpha</a:t>
-                      </a:r>
-                    </a:p>
-                  </a:txBody>
-                  <a:tcPr anchor="ctr"/>
-                </a:tc>
-                <a:tc>
-                  <a:txBody>
-                    <a:bodyPr/>
-                    <a:lstStyle/>
-                    <a:p>
-                      <a:pPr algn="ctr"/>
-                      <a:r>
-                        <a:rPr lang="fr-FR"/>
-                        <a:t>8 – 13</a:t>
-                      </a:r>
-                    </a:p>
-                  </a:txBody>
-                  <a:tcPr anchor="ctr"/>
-                </a:tc>
-                <a:tc>
-                  <a:txBody>
-                    <a:bodyPr/>
-                    <a:lstStyle/>
-                    <a:p>
-                      <a:pPr algn="ctr"/>
-                      <a:r>
-                        <a:rPr lang="fr-FR" dirty="0"/>
-                        <a:t>Calme, relaxation</a:t>
-                      </a:r>
-                    </a:p>
-                  </a:txBody>
-                  <a:tcPr anchor="ctr"/>
-                </a:tc>
-                <a:extLst>
-                  <a:ext uri="{0D108BD9-81ED-4DB2-BD59-A6C34878D82A}">
-                    <a16:rowId xmlns:a16="http://schemas.microsoft.com/office/drawing/2014/main" val="461896841"/>
-                  </a:ext>
-                </a:extLst>
-              </a:tr>
-              <a:tr h="0">
-                <a:tc>
-                  <a:txBody>
-                    <a:bodyPr/>
-                    <a:lstStyle/>
-                    <a:p>
-                      <a:pPr algn="ctr"/>
-                      <a:r>
-                        <a:rPr lang="fr-FR" b="1" dirty="0"/>
-                        <a:t>Beta</a:t>
-                      </a:r>
-                    </a:p>
-                  </a:txBody>
-                  <a:tcPr anchor="ctr"/>
-                </a:tc>
-                <a:tc>
-                  <a:txBody>
-                    <a:bodyPr/>
-                    <a:lstStyle/>
-                    <a:p>
-                      <a:pPr algn="ctr"/>
-                      <a:r>
-                        <a:rPr lang="fr-FR" dirty="0"/>
-                        <a:t>13 – 30</a:t>
-                      </a:r>
-                    </a:p>
-                  </a:txBody>
-                  <a:tcPr anchor="ctr"/>
-                </a:tc>
-                <a:tc>
-                  <a:txBody>
-                    <a:bodyPr/>
-                    <a:lstStyle/>
-                    <a:p>
-                      <a:pPr algn="ctr"/>
-                      <a:r>
-                        <a:rPr lang="fr-FR" dirty="0"/>
-                        <a:t>Activité mentale, alerte</a:t>
-                      </a:r>
-                    </a:p>
-                  </a:txBody>
-                  <a:tcPr anchor="ctr"/>
-                </a:tc>
-                <a:extLst>
-                  <a:ext uri="{0D108BD9-81ED-4DB2-BD59-A6C34878D82A}">
-                    <a16:rowId xmlns:a16="http://schemas.microsoft.com/office/drawing/2014/main" val="654385503"/>
-                  </a:ext>
-                </a:extLst>
-              </a:tr>
-              <a:tr h="0">
-                <a:tc>
-                  <a:txBody>
-                    <a:bodyPr/>
-                    <a:lstStyle/>
-                    <a:p>
-                      <a:pPr algn="ctr"/>
-                      <a:r>
-                        <a:rPr lang="fr-FR" b="1" dirty="0"/>
-                        <a:t>Gamma</a:t>
-                      </a:r>
-                    </a:p>
-                  </a:txBody>
-                  <a:tcPr anchor="ctr"/>
-                </a:tc>
-                <a:tc>
-                  <a:txBody>
-                    <a:bodyPr/>
-                    <a:lstStyle/>
-                    <a:p>
-                      <a:pPr algn="ctr"/>
-                      <a:r>
-                        <a:rPr lang="fr-FR" dirty="0"/>
-                        <a:t>30 – 45 (ou 50)</a:t>
-                      </a:r>
-                    </a:p>
-                  </a:txBody>
-                  <a:tcPr anchor="ctr"/>
-                </a:tc>
-                <a:tc>
-                  <a:txBody>
-                    <a:bodyPr/>
-                    <a:lstStyle/>
-                    <a:p>
-                      <a:pPr algn="ctr"/>
-                      <a:r>
-                        <a:rPr lang="fr-FR" dirty="0"/>
-                        <a:t>Cognition élevée, attention soutenue</a:t>
-                      </a:r>
-                    </a:p>
-                  </a:txBody>
-                  <a:tcPr anchor="ctr"/>
-                </a:tc>
-                <a:extLst>
-                  <a:ext uri="{0D108BD9-81ED-4DB2-BD59-A6C34878D82A}">
-                    <a16:rowId xmlns:a16="http://schemas.microsoft.com/office/drawing/2014/main" val="3550802878"/>
-                  </a:ext>
-                </a:extLst>
-              </a:tr>
-            </a:tbl>
-          </a:graphicData>
-        </a:graphic>
-      </p:graphicFrame>
-      <p:sp>
-        <p:nvSpPr>
-          <p:cNvPr id="7" name="ZoneTexte 6">
-            <a:extLst>
-              <a:ext uri="{FF2B5EF4-FFF2-40B4-BE49-F238E27FC236}">
-                <a16:creationId xmlns:a16="http://schemas.microsoft.com/office/drawing/2014/main" id="{CF4C21BB-EECE-FDA4-9FCF-EB8C1023382B}"/>
-              </a:ext>
-            </a:extLst>
-          </p:cNvPr>
-          <p:cNvSpPr txBox="1"/>
-          <p:nvPr/>
-        </p:nvSpPr>
-        <p:spPr>
-          <a:xfrm>
-            <a:off x="1021081" y="4599920"/>
-            <a:ext cx="9718357" cy="1938992"/>
-          </a:xfrm>
-          <a:prstGeom prst="rect">
-            <a:avLst/>
-          </a:prstGeom>
-          <a:noFill/>
-        </p:spPr>
-        <p:txBody>
-          <a:bodyPr wrap="square">
-            <a:spAutoFit/>
-          </a:bodyPr>
-          <a:lstStyle/>
-          <a:p>
-            <a:pPr marL="342900" indent="-342900">
-              <a:buFont typeface="Wingdings" pitchFamily="2" charset="2"/>
-              <a:buChar char="à"/>
-            </a:pPr>
-            <a:r>
-              <a:rPr lang="fr-FR" sz="2400" b="1" i="0" u="sng" strike="noStrike" dirty="0">
-                <a:solidFill>
-                  <a:srgbClr val="000000"/>
-                </a:solidFill>
-                <a:effectLst/>
-              </a:rPr>
-              <a:t>Filtre de </a:t>
-            </a:r>
-            <a:r>
-              <a:rPr lang="fr-FR" sz="2400" b="1" i="0" u="sng" strike="noStrike" dirty="0" err="1">
-                <a:solidFill>
-                  <a:srgbClr val="000000"/>
-                </a:solidFill>
-                <a:effectLst/>
-              </a:rPr>
-              <a:t>Butterworth</a:t>
-            </a:r>
-            <a:r>
-              <a:rPr lang="fr-FR" sz="1200" b="1" i="0" u="sng" strike="noStrike" dirty="0">
-                <a:solidFill>
-                  <a:srgbClr val="000000"/>
-                </a:solidFill>
-                <a:effectLst/>
-              </a:rPr>
-              <a:t> (</a:t>
-            </a:r>
-            <a:r>
-              <a:rPr lang="fr-FR" sz="1200" b="0" dirty="0" err="1">
-                <a:solidFill>
-                  <a:srgbClr val="C586C0"/>
-                </a:solidFill>
-                <a:effectLst/>
-                <a:latin typeface="Menlo" panose="020B0609030804020204" pitchFamily="49" charset="0"/>
-              </a:rPr>
-              <a:t>from</a:t>
-            </a:r>
-            <a:r>
-              <a:rPr lang="fr-FR" sz="1200" b="0" dirty="0">
-                <a:solidFill>
-                  <a:srgbClr val="CCCCCC"/>
-                </a:solidFill>
-                <a:effectLst/>
-                <a:latin typeface="Menlo" panose="020B0609030804020204" pitchFamily="49" charset="0"/>
-              </a:rPr>
-              <a:t> </a:t>
-            </a:r>
-            <a:r>
-              <a:rPr lang="fr-FR" sz="1200" b="0" dirty="0" err="1">
-                <a:solidFill>
-                  <a:srgbClr val="4EC9B0"/>
-                </a:solidFill>
-                <a:effectLst/>
-                <a:latin typeface="Menlo" panose="020B0609030804020204" pitchFamily="49" charset="0"/>
-              </a:rPr>
-              <a:t>scipy</a:t>
-            </a:r>
-            <a:r>
-              <a:rPr lang="fr-FR" sz="1200" b="0" dirty="0" err="1">
-                <a:solidFill>
-                  <a:srgbClr val="CCCCCC"/>
-                </a:solidFill>
-                <a:effectLst/>
-                <a:latin typeface="Menlo" panose="020B0609030804020204" pitchFamily="49" charset="0"/>
-              </a:rPr>
-              <a:t>.</a:t>
-            </a:r>
-            <a:r>
-              <a:rPr lang="fr-FR" sz="1200" b="0" dirty="0" err="1">
-                <a:solidFill>
-                  <a:srgbClr val="4EC9B0"/>
-                </a:solidFill>
-                <a:effectLst/>
-                <a:latin typeface="Menlo" panose="020B0609030804020204" pitchFamily="49" charset="0"/>
-              </a:rPr>
-              <a:t>signal</a:t>
-            </a:r>
-            <a:r>
-              <a:rPr lang="fr-FR" sz="1200" b="0" dirty="0">
-                <a:solidFill>
-                  <a:srgbClr val="CCCCCC"/>
-                </a:solidFill>
-                <a:effectLst/>
-                <a:latin typeface="Menlo" panose="020B0609030804020204" pitchFamily="49" charset="0"/>
-              </a:rPr>
-              <a:t> </a:t>
-            </a:r>
-            <a:r>
-              <a:rPr lang="fr-FR" sz="1200" b="0" dirty="0">
-                <a:solidFill>
-                  <a:srgbClr val="C586C0"/>
-                </a:solidFill>
-                <a:effectLst/>
-                <a:latin typeface="Menlo" panose="020B0609030804020204" pitchFamily="49" charset="0"/>
-              </a:rPr>
-              <a:t>import</a:t>
-            </a:r>
-            <a:r>
-              <a:rPr lang="fr-FR" sz="1200" b="0" dirty="0">
-                <a:solidFill>
-                  <a:srgbClr val="CCCCCC"/>
-                </a:solidFill>
-                <a:effectLst/>
-                <a:latin typeface="Menlo" panose="020B0609030804020204" pitchFamily="49" charset="0"/>
-              </a:rPr>
-              <a:t> </a:t>
-            </a:r>
-            <a:r>
-              <a:rPr lang="fr-FR" sz="1200" b="0" dirty="0">
-                <a:solidFill>
-                  <a:srgbClr val="DCDCAA"/>
-                </a:solidFill>
-                <a:effectLst/>
-                <a:latin typeface="Menlo" panose="020B0609030804020204" pitchFamily="49" charset="0"/>
-              </a:rPr>
-              <a:t>butter</a:t>
-            </a:r>
-            <a:r>
-              <a:rPr lang="fr-FR" sz="1200" b="0" dirty="0">
-                <a:solidFill>
-                  <a:srgbClr val="CCCCCC"/>
-                </a:solidFill>
-                <a:effectLst/>
-                <a:latin typeface="Menlo" panose="020B0609030804020204" pitchFamily="49" charset="0"/>
-              </a:rPr>
-              <a:t>, </a:t>
-            </a:r>
-            <a:r>
-              <a:rPr lang="fr-FR" sz="1200" b="0" dirty="0" err="1">
-                <a:solidFill>
-                  <a:srgbClr val="DCDCAA"/>
-                </a:solidFill>
-                <a:effectLst/>
-                <a:latin typeface="Menlo" panose="020B0609030804020204" pitchFamily="49" charset="0"/>
-              </a:rPr>
-              <a:t>filtfilt</a:t>
-            </a:r>
-            <a:r>
-              <a:rPr lang="fr-FR" sz="1200" b="1" i="0" u="sng" strike="noStrike" dirty="0">
-                <a:solidFill>
-                  <a:srgbClr val="000000"/>
-                </a:solidFill>
-                <a:effectLst/>
-              </a:rPr>
-              <a:t>)</a:t>
-            </a:r>
-            <a:endParaRPr lang="fr-FR" sz="1200" b="0" i="0" u="none" strike="noStrike" dirty="0">
-              <a:solidFill>
-                <a:srgbClr val="000000"/>
-              </a:solidFill>
-              <a:effectLst/>
-            </a:endParaRPr>
-          </a:p>
-          <a:p>
-            <a:pPr marL="742950" lvl="1" indent="-285750">
-              <a:buFont typeface="Arial" panose="020B0604020202020204" pitchFamily="34" charset="0"/>
-              <a:buChar char="•"/>
-            </a:pPr>
-            <a:r>
-              <a:rPr lang="fr-FR" sz="2400" b="0" i="0" u="none" strike="noStrike" dirty="0">
-                <a:solidFill>
-                  <a:srgbClr val="000000"/>
-                </a:solidFill>
-                <a:effectLst/>
-              </a:rPr>
-              <a:t>Très utilisé en signal </a:t>
-            </a:r>
-            <a:r>
-              <a:rPr lang="fr-FR" sz="2400" b="0" i="0" u="none" strike="noStrike" dirty="0" err="1">
-                <a:solidFill>
-                  <a:srgbClr val="000000"/>
-                </a:solidFill>
-                <a:effectLst/>
-              </a:rPr>
-              <a:t>processing</a:t>
-            </a:r>
-            <a:endParaRPr lang="fr-FR" sz="2400" dirty="0">
-              <a:solidFill>
-                <a:srgbClr val="000000"/>
-              </a:solidFill>
-            </a:endParaRPr>
-          </a:p>
-          <a:p>
-            <a:pPr marL="742950" lvl="1" indent="-285750">
-              <a:buFont typeface="Arial" panose="020B0604020202020204" pitchFamily="34" charset="0"/>
-              <a:buChar char="•"/>
-            </a:pPr>
-            <a:r>
-              <a:rPr lang="fr-FR" sz="2400" dirty="0">
-                <a:solidFill>
-                  <a:srgbClr val="000000"/>
-                </a:solidFill>
-              </a:rPr>
-              <a:t>Rôle : Atténue les fréquences en dehors de la zone de fréquence souhaitée</a:t>
-            </a:r>
-          </a:p>
-          <a:p>
-            <a:pPr marL="742950" lvl="1" indent="-285750">
-              <a:buFont typeface="Arial" panose="020B0604020202020204" pitchFamily="34" charset="0"/>
-              <a:buChar char="•"/>
-            </a:pPr>
-            <a:r>
-              <a:rPr lang="fr-FR" sz="2400" dirty="0">
-                <a:solidFill>
-                  <a:srgbClr val="FF0000"/>
-                </a:solidFill>
-              </a:rPr>
-              <a:t>Théorie à travailler</a:t>
-            </a:r>
-          </a:p>
-        </p:txBody>
-      </p:sp>
-    </p:spTree>
-    <p:extLst>
-      <p:ext uri="{BB962C8B-B14F-4D97-AF65-F5344CB8AC3E}">
-        <p14:creationId xmlns:p14="http://schemas.microsoft.com/office/powerpoint/2010/main" val="3447381380"/>
-      </p:ext>
-    </p:extLst>
-  </p:cSld>
-  <p:clrMapOvr>
-    <a:masterClrMapping/>
-  </p:clrMapOvr>
-</p:sld>
-</file>
-
-<file path=ppt/slides/slide12.xml><?xml version="1.0" encoding="utf-8"?>
-<p:sld xmlns:a="http://schemas.openxmlformats.org/drawingml/2006/main" xmlns:r="http://schemas.openxmlformats.org/officeDocument/2006/relationships" xmlns:p="http://schemas.openxmlformats.org/presentationml/2006/main">
-  <p:cSld>
-    <p:spTree>
-      <p:nvGrpSpPr>
-        <p:cNvPr id="1" name="">
-          <a:extLst>
-            <a:ext uri="{FF2B5EF4-FFF2-40B4-BE49-F238E27FC236}">
-              <a16:creationId xmlns:a16="http://schemas.microsoft.com/office/drawing/2014/main" id="{B8125AE3-7AD0-9AA9-9C54-C181A1E2132C}"/>
-            </a:ext>
-          </a:extLst>
-        </p:cNvPr>
-        <p:cNvGrpSpPr/>
-        <p:nvPr/>
-      </p:nvGrpSpPr>
-      <p:grpSpPr>
-        <a:xfrm>
-          <a:off x="0" y="0"/>
-          <a:ext cx="0" cy="0"/>
-          <a:chOff x="0" y="0"/>
-          <a:chExt cx="0" cy="0"/>
-        </a:xfrm>
-      </p:grpSpPr>
-      <p:sp>
-        <p:nvSpPr>
-          <p:cNvPr id="2" name="Titre 1">
-            <a:extLst>
-              <a:ext uri="{FF2B5EF4-FFF2-40B4-BE49-F238E27FC236}">
-                <a16:creationId xmlns:a16="http://schemas.microsoft.com/office/drawing/2014/main" id="{F4AE52CB-1EC4-3F36-59C6-D4995F9F7A4F}"/>
-              </a:ext>
-            </a:extLst>
-          </p:cNvPr>
-          <p:cNvSpPr>
-            <a:spLocks noGrp="1"/>
-          </p:cNvSpPr>
-          <p:nvPr>
-            <p:ph type="title"/>
-          </p:nvPr>
-        </p:nvSpPr>
-        <p:spPr/>
-        <p:txBody>
-          <a:bodyPr/>
-          <a:lstStyle/>
-          <a:p>
-            <a:r>
-              <a:rPr lang="fr-FR" dirty="0"/>
-              <a:t>Signal </a:t>
-            </a:r>
-            <a:r>
-              <a:rPr lang="fr-FR" dirty="0" err="1"/>
-              <a:t>processing</a:t>
-            </a:r>
-            <a:r>
-              <a:rPr lang="fr-FR" dirty="0"/>
-              <a:t> : Signaux filtrés</a:t>
-            </a:r>
-          </a:p>
-        </p:txBody>
-      </p:sp>
-      <p:sp>
-        <p:nvSpPr>
-          <p:cNvPr id="5" name="Espace réservé du numéro de diapositive 4">
-            <a:extLst>
-              <a:ext uri="{FF2B5EF4-FFF2-40B4-BE49-F238E27FC236}">
-                <a16:creationId xmlns:a16="http://schemas.microsoft.com/office/drawing/2014/main" id="{BD79C940-85CA-2CBB-901D-93F0707EB4B8}"/>
-              </a:ext>
-            </a:extLst>
-          </p:cNvPr>
-          <p:cNvSpPr>
-            <a:spLocks noGrp="1"/>
-          </p:cNvSpPr>
-          <p:nvPr>
-            <p:ph type="sldNum" sz="quarter" idx="12"/>
-          </p:nvPr>
-        </p:nvSpPr>
-        <p:spPr/>
-        <p:txBody>
-          <a:bodyPr/>
-          <a:lstStyle/>
-          <a:p>
-            <a:fld id="{E89C7986-48BB-8D49-A26D-6F9777E96737}" type="slidenum">
-              <a:rPr lang="fr-FR" smtClean="0"/>
-              <a:t>12</a:t>
-            </a:fld>
-            <a:endParaRPr lang="fr-FR"/>
-          </a:p>
-        </p:txBody>
-      </p:sp>
-      <p:pic>
-        <p:nvPicPr>
-          <p:cNvPr id="3" name="Image 2">
-            <a:extLst>
-              <a:ext uri="{FF2B5EF4-FFF2-40B4-BE49-F238E27FC236}">
-                <a16:creationId xmlns:a16="http://schemas.microsoft.com/office/drawing/2014/main" id="{38246450-D9CF-2766-C80A-23262413C6DD}"/>
-              </a:ext>
-            </a:extLst>
-          </p:cNvPr>
-          <p:cNvPicPr>
-            <a:picLocks noChangeAspect="1"/>
-          </p:cNvPicPr>
-          <p:nvPr/>
-        </p:nvPicPr>
-        <p:blipFill>
-          <a:blip r:embed="rId2"/>
-          <a:stretch>
-            <a:fillRect/>
-          </a:stretch>
-        </p:blipFill>
-        <p:spPr>
-          <a:xfrm>
-            <a:off x="3924300" y="1332169"/>
-            <a:ext cx="7772400" cy="5160706"/>
-          </a:xfrm>
-          <a:prstGeom prst="rect">
-            <a:avLst/>
-          </a:prstGeom>
-        </p:spPr>
-      </p:pic>
-      <p:graphicFrame>
-        <p:nvGraphicFramePr>
-          <p:cNvPr id="6" name="Tableau 5">
-            <a:extLst>
-              <a:ext uri="{FF2B5EF4-FFF2-40B4-BE49-F238E27FC236}">
-                <a16:creationId xmlns:a16="http://schemas.microsoft.com/office/drawing/2014/main" id="{62A59DB4-1D54-8AE1-1B46-7AFD6FE118E1}"/>
-              </a:ext>
-            </a:extLst>
-          </p:cNvPr>
-          <p:cNvGraphicFramePr>
-            <a:graphicFrameLocks noGrp="1"/>
-          </p:cNvGraphicFramePr>
-          <p:nvPr>
-            <p:extLst>
-              <p:ext uri="{D42A27DB-BD31-4B8C-83A1-F6EECF244321}">
-                <p14:modId xmlns:p14="http://schemas.microsoft.com/office/powerpoint/2010/main" val="2015037701"/>
-              </p:ext>
-            </p:extLst>
-          </p:nvPr>
-        </p:nvGraphicFramePr>
-        <p:xfrm>
-          <a:off x="160021" y="2515076"/>
-          <a:ext cx="3566159" cy="2377440"/>
-        </p:xfrm>
-        <a:graphic>
-          <a:graphicData uri="http://schemas.openxmlformats.org/drawingml/2006/table">
-            <a:tbl>
-              <a:tblPr>
-                <a:tableStyleId>{D7AC3CCA-C797-4891-BE02-D94E43425B78}</a:tableStyleId>
-              </a:tblPr>
-              <a:tblGrid>
-                <a:gridCol w="629656">
-                  <a:extLst>
-                    <a:ext uri="{9D8B030D-6E8A-4147-A177-3AD203B41FA5}">
-                      <a16:colId xmlns:a16="http://schemas.microsoft.com/office/drawing/2014/main" val="2814012237"/>
-                    </a:ext>
-                  </a:extLst>
-                </a:gridCol>
-                <a:gridCol w="1101193">
-                  <a:extLst>
-                    <a:ext uri="{9D8B030D-6E8A-4147-A177-3AD203B41FA5}">
-                      <a16:colId xmlns:a16="http://schemas.microsoft.com/office/drawing/2014/main" val="1119050677"/>
-                    </a:ext>
-                  </a:extLst>
-                </a:gridCol>
-                <a:gridCol w="1835310">
-                  <a:extLst>
-                    <a:ext uri="{9D8B030D-6E8A-4147-A177-3AD203B41FA5}">
-                      <a16:colId xmlns:a16="http://schemas.microsoft.com/office/drawing/2014/main" val="872333667"/>
-                    </a:ext>
-                  </a:extLst>
-                </a:gridCol>
-              </a:tblGrid>
-              <a:tr h="392365">
+              <a:tr h="524463">
                 <a:tc>
                   <a:txBody>
                     <a:bodyPr/>
@@ -4913,7 +4187,7 @@
                   </a:ext>
                 </a:extLst>
               </a:tr>
-              <a:tr h="235419">
+              <a:tr h="299693">
                 <a:tc>
                   <a:txBody>
                     <a:bodyPr/>
@@ -4962,7 +4236,7 @@
                   </a:ext>
                 </a:extLst>
               </a:tr>
-              <a:tr h="235419">
+              <a:tr h="299693">
                 <a:tc>
                   <a:txBody>
                     <a:bodyPr/>
@@ -4999,7 +4273,7 @@
                     <a:p>
                       <a:pPr algn="ctr"/>
                       <a:r>
-                        <a:rPr lang="fr-FR" sz="1200"/>
+                        <a:rPr lang="fr-FR" sz="1200" dirty="0"/>
                         <a:t>Sommeil léger, méditation</a:t>
                       </a:r>
                     </a:p>
@@ -5012,7 +4286,7 @@
                   </a:ext>
                 </a:extLst>
               </a:tr>
-              <a:tr h="235419">
+              <a:tr h="299693">
                 <a:tc>
                   <a:txBody>
                     <a:bodyPr/>
@@ -5021,7 +4295,7 @@
                       <a:pPr algn="ctr"/>
                       <a:r>
                         <a:rPr lang="fr-FR" sz="1200" b="1" dirty="0"/>
-                        <a:t>Alpha</a:t>
+                        <a:t>Low Alpha</a:t>
                       </a:r>
                     </a:p>
                   </a:txBody>
@@ -5034,8 +4308,8 @@
                     <a:p>
                       <a:pPr algn="ctr"/>
                       <a:r>
-                        <a:rPr lang="fr-FR" sz="1200"/>
-                        <a:t>8 – 13</a:t>
+                        <a:rPr lang="fr-FR" sz="1200" dirty="0"/>
+                        <a:t>8 – 10</a:t>
                       </a:r>
                     </a:p>
                   </a:txBody>
@@ -5061,7 +4335,7 @@
                   </a:ext>
                 </a:extLst>
               </a:tr>
-              <a:tr h="235419">
+              <a:tr h="299693">
                 <a:tc>
                   <a:txBody>
                     <a:bodyPr/>
@@ -5070,7 +4344,7 @@
                       <a:pPr algn="ctr"/>
                       <a:r>
                         <a:rPr lang="fr-FR" sz="1200" b="1" dirty="0"/>
-                        <a:t>Beta</a:t>
+                        <a:t>High Alpha</a:t>
                       </a:r>
                     </a:p>
                   </a:txBody>
@@ -5083,8 +4357,73 @@
                     <a:p>
                       <a:pPr algn="ctr"/>
                       <a:r>
-                        <a:rPr lang="fr-FR" sz="1200"/>
-                        <a:t>13 – 30</a:t>
+                        <a:rPr lang="fr-FR" sz="1200" dirty="0"/>
+                        <a:t>10-12</a:t>
+                      </a:r>
+                    </a:p>
+                  </a:txBody>
+                  <a:tcPr anchor="ctr"/>
+                </a:tc>
+                <a:tc>
+                  <a:txBody>
+                    <a:bodyPr/>
+                    <a:lstStyle/>
+                    <a:p>
+                      <a:pPr marL="0" marR="0" lvl="0" indent="0" algn="ctr" defTabSz="914400" rtl="0" eaLnBrk="1" fontAlgn="auto" latinLnBrk="0" hangingPunct="1">
+                        <a:lnSpc>
+                          <a:spcPct val="100000"/>
+                        </a:lnSpc>
+                        <a:spcBef>
+                          <a:spcPts val="0"/>
+                        </a:spcBef>
+                        <a:spcAft>
+                          <a:spcPts val="0"/>
+                        </a:spcAft>
+                        <a:buClrTx/>
+                        <a:buSzTx/>
+                        <a:buFontTx/>
+                        <a:buNone/>
+                        <a:tabLst/>
+                        <a:defRPr/>
+                      </a:pPr>
+                      <a:r>
+                        <a:rPr lang="fr-FR" sz="1200" dirty="0"/>
+                        <a:t>Calme, relaxation</a:t>
+                      </a:r>
+                    </a:p>
+                  </a:txBody>
+                  <a:tcPr anchor="ctr"/>
+                </a:tc>
+                <a:extLst>
+                  <a:ext uri="{0D108BD9-81ED-4DB2-BD59-A6C34878D82A}">
+                    <a16:rowId xmlns:a16="http://schemas.microsoft.com/office/drawing/2014/main" val="2137484484"/>
+                  </a:ext>
+                </a:extLst>
+              </a:tr>
+              <a:tr h="299693">
+                <a:tc>
+                  <a:txBody>
+                    <a:bodyPr/>
+                    <a:lstStyle/>
+                    <a:p>
+                      <a:pPr algn="ctr"/>
+                      <a:r>
+                        <a:rPr lang="fr-FR" sz="1200" b="1" dirty="0"/>
+                        <a:t>Low Beta</a:t>
+                      </a:r>
+                    </a:p>
+                  </a:txBody>
+                  <a:tcPr anchor="ctr"/>
+                </a:tc>
+                <a:tc>
+                  <a:txBody>
+                    <a:bodyPr/>
+                    <a:lstStyle/>
+                    <a:p>
+                      <a:pPr algn="ctr"/>
+                      <a:r>
+                        <a:rPr lang="fr-FR" sz="1200" dirty="0"/>
+                        <a:t>12 – 18</a:t>
                       </a:r>
                     </a:p>
                   </a:txBody>
@@ -5110,7 +4449,7 @@
                   </a:ext>
                 </a:extLst>
               </a:tr>
-              <a:tr h="392365">
+              <a:tr h="299693">
                 <a:tc>
                   <a:txBody>
                     <a:bodyPr/>
@@ -5118,8 +4457,12 @@
                     <a:p>
                       <a:pPr algn="ctr"/>
                       <a:r>
+                        <a:rPr lang="fr-FR" sz="1200" b="1" dirty="0" err="1"/>
+                        <a:t>Mid</a:t>
+                      </a:r>
+                      <a:r>
                         <a:rPr lang="fr-FR" sz="1200" b="1" dirty="0"/>
-                        <a:t>Gamma</a:t>
+                        <a:t> Beta</a:t>
                       </a:r>
                     </a:p>
                   </a:txBody>
@@ -5132,7 +4475,137 @@
                     <a:p>
                       <a:pPr algn="ctr"/>
                       <a:r>
-                        <a:rPr lang="fr-FR" sz="1200"/>
+                        <a:rPr lang="fr-FR" sz="1200" dirty="0"/>
+                        <a:t>18-21</a:t>
+                      </a:r>
+                    </a:p>
+                  </a:txBody>
+                  <a:tcPr anchor="ctr"/>
+                </a:tc>
+                <a:tc>
+                  <a:txBody>
+                    <a:bodyPr/>
+                    <a:lstStyle/>
+                    <a:p>
+                      <a:pPr marL="0" marR="0" lvl="0" indent="0" algn="ctr" defTabSz="914400" rtl="0" eaLnBrk="1" fontAlgn="auto" latinLnBrk="0" hangingPunct="1">
+                        <a:lnSpc>
+                          <a:spcPct val="100000"/>
+                        </a:lnSpc>
+                        <a:spcBef>
+                          <a:spcPts val="0"/>
+                        </a:spcBef>
+                        <a:spcAft>
+                          <a:spcPts val="0"/>
+                        </a:spcAft>
+                        <a:buClrTx/>
+                        <a:buSzTx/>
+                        <a:buFontTx/>
+                        <a:buNone/>
+                        <a:tabLst/>
+                        <a:defRPr/>
+                      </a:pPr>
+                      <a:r>
+                        <a:rPr lang="fr-FR" sz="1200" dirty="0"/>
+                        <a:t>Activité mentale, alerte</a:t>
+                      </a:r>
+                    </a:p>
+                  </a:txBody>
+                  <a:tcPr anchor="ctr"/>
+                </a:tc>
+                <a:extLst>
+                  <a:ext uri="{0D108BD9-81ED-4DB2-BD59-A6C34878D82A}">
+                    <a16:rowId xmlns:a16="http://schemas.microsoft.com/office/drawing/2014/main" val="4218564535"/>
+                  </a:ext>
+                </a:extLst>
+              </a:tr>
+              <a:tr h="299693">
+                <a:tc>
+                  <a:txBody>
+                    <a:bodyPr/>
+                    <a:lstStyle/>
+                    <a:p>
+                      <a:pPr algn="ctr"/>
+                      <a:r>
+                        <a:rPr lang="fr-FR" sz="1200" b="1" dirty="0"/>
+                        <a:t>High Beta</a:t>
+                      </a:r>
+                    </a:p>
+                  </a:txBody>
+                  <a:tcPr anchor="ctr"/>
+                </a:tc>
+                <a:tc>
+                  <a:txBody>
+                    <a:bodyPr/>
+                    <a:lstStyle/>
+                    <a:p>
+                      <a:pPr algn="ctr"/>
+                      <a:r>
+                        <a:rPr lang="fr-FR" sz="1200" dirty="0"/>
+                        <a:t>21-30</a:t>
+                      </a:r>
+                    </a:p>
+                  </a:txBody>
+                  <a:tcPr anchor="ctr"/>
+                </a:tc>
+                <a:tc>
+                  <a:txBody>
+                    <a:bodyPr/>
+                    <a:lstStyle/>
+                    <a:p>
+                      <a:pPr marL="0" marR="0" lvl="0" indent="0" algn="ctr" defTabSz="914400" rtl="0" eaLnBrk="1" fontAlgn="auto" latinLnBrk="0" hangingPunct="1">
+                        <a:lnSpc>
+                          <a:spcPct val="100000"/>
+                        </a:lnSpc>
+                        <a:spcBef>
+                          <a:spcPts val="0"/>
+                        </a:spcBef>
+                        <a:spcAft>
+                          <a:spcPts val="0"/>
+                        </a:spcAft>
+                        <a:buClrTx/>
+                        <a:buSzTx/>
+                        <a:buFontTx/>
+                        <a:buNone/>
+                        <a:tabLst/>
+                        <a:defRPr/>
+                      </a:pPr>
+                      <a:r>
+                        <a:rPr lang="fr-FR" sz="1200" dirty="0"/>
+                        <a:t>Activité mentale, alerte</a:t>
+                      </a:r>
+                    </a:p>
+                  </a:txBody>
+                  <a:tcPr anchor="ctr"/>
+                </a:tc>
+                <a:extLst>
+                  <a:ext uri="{0D108BD9-81ED-4DB2-BD59-A6C34878D82A}">
+                    <a16:rowId xmlns:a16="http://schemas.microsoft.com/office/drawing/2014/main" val="2485157477"/>
+                  </a:ext>
+                </a:extLst>
+              </a:tr>
+              <a:tr h="299693">
+                <a:tc>
+                  <a:txBody>
+                    <a:bodyPr/>
+                    <a:lstStyle/>
+                    <a:p>
+                      <a:pPr algn="ctr"/>
+                      <a:r>
+                        <a:rPr lang="fr-FR" sz="1200" b="1" dirty="0"/>
+                        <a:t>Low Gamma</a:t>
+                      </a:r>
+                    </a:p>
+                  </a:txBody>
+                  <a:tcPr anchor="ctr"/>
+                </a:tc>
+                <a:tc>
+                  <a:txBody>
+                    <a:bodyPr/>
+                    <a:lstStyle/>
+                    <a:p>
+                      <a:pPr algn="ctr"/>
+                      <a:r>
+                        <a:rPr lang="fr-FR" sz="1200" dirty="0"/>
                         <a:t>30 – 45 (ou 50)</a:t>
                       </a:r>
                     </a:p>
@@ -5159,10 +4632,399 @@
                   </a:ext>
                 </a:extLst>
               </a:tr>
+              <a:tr h="299693">
+                <a:tc>
+                  <a:txBody>
+                    <a:bodyPr/>
+                    <a:lstStyle/>
+                    <a:p>
+                      <a:pPr algn="ctr"/>
+                      <a:r>
+                        <a:rPr lang="fr-FR" sz="1200" b="1" dirty="0" err="1"/>
+                        <a:t>Theta</a:t>
+                      </a:r>
+                      <a:r>
+                        <a:rPr lang="fr-FR" sz="1200" b="1" dirty="0"/>
+                        <a:t>/Beta</a:t>
+                      </a:r>
+                    </a:p>
+                  </a:txBody>
+                  <a:tcPr anchor="ctr"/>
+                </a:tc>
+                <a:tc>
+                  <a:txBody>
+                    <a:bodyPr/>
+                    <a:lstStyle/>
+                    <a:p>
+                      <a:pPr algn="ctr"/>
+                      <a:endParaRPr lang="fr-FR" sz="1200" dirty="0"/>
+                    </a:p>
+                  </a:txBody>
+                  <a:tcPr anchor="ctr"/>
+                </a:tc>
+                <a:tc>
+                  <a:txBody>
+                    <a:bodyPr/>
+                    <a:lstStyle/>
+                    <a:p>
+                      <a:pPr algn="ctr"/>
+                      <a:r>
+                        <a:rPr lang="fr-FR" sz="1200" dirty="0"/>
+                        <a:t>Marqueur de stress</a:t>
+                      </a:r>
+                    </a:p>
+                  </a:txBody>
+                  <a:tcPr anchor="ctr"/>
+                </a:tc>
+                <a:extLst>
+                  <a:ext uri="{0D108BD9-81ED-4DB2-BD59-A6C34878D82A}">
+                    <a16:rowId xmlns:a16="http://schemas.microsoft.com/office/drawing/2014/main" val="1435078624"/>
+                  </a:ext>
+                </a:extLst>
+              </a:tr>
             </a:tbl>
           </a:graphicData>
         </a:graphic>
       </p:graphicFrame>
+      <p:sp>
+        <p:nvSpPr>
+          <p:cNvPr id="7" name="ZoneTexte 6">
+            <a:extLst>
+              <a:ext uri="{FF2B5EF4-FFF2-40B4-BE49-F238E27FC236}">
+                <a16:creationId xmlns:a16="http://schemas.microsoft.com/office/drawing/2014/main" id="{CF4C21BB-EECE-FDA4-9FCF-EB8C1023382B}"/>
+              </a:ext>
+            </a:extLst>
+          </p:cNvPr>
+          <p:cNvSpPr txBox="1"/>
+          <p:nvPr/>
+        </p:nvSpPr>
+        <p:spPr>
+          <a:xfrm>
+            <a:off x="997932" y="4782483"/>
+            <a:ext cx="9718357" cy="1938992"/>
+          </a:xfrm>
+          <a:prstGeom prst="rect">
+            <a:avLst/>
+          </a:prstGeom>
+          <a:noFill/>
+        </p:spPr>
+        <p:txBody>
+          <a:bodyPr wrap="square">
+            <a:spAutoFit/>
+          </a:bodyPr>
+          <a:lstStyle/>
+          <a:p>
+            <a:pPr marL="342900" indent="-342900">
+              <a:buFont typeface="Wingdings" pitchFamily="2" charset="2"/>
+              <a:buChar char="à"/>
+            </a:pPr>
+            <a:r>
+              <a:rPr lang="fr-FR" sz="2400" b="1" i="0" u="sng" strike="noStrike" dirty="0">
+                <a:solidFill>
+                  <a:srgbClr val="000000"/>
+                </a:solidFill>
+                <a:effectLst/>
+              </a:rPr>
+              <a:t>Filtre de </a:t>
+            </a:r>
+            <a:r>
+              <a:rPr lang="fr-FR" sz="2400" b="1" i="0" u="sng" strike="noStrike" dirty="0" err="1">
+                <a:solidFill>
+                  <a:srgbClr val="000000"/>
+                </a:solidFill>
+                <a:effectLst/>
+              </a:rPr>
+              <a:t>Butterworth</a:t>
+            </a:r>
+            <a:r>
+              <a:rPr lang="fr-FR" sz="1200" b="1" i="0" u="sng" strike="noStrike" dirty="0">
+                <a:solidFill>
+                  <a:srgbClr val="000000"/>
+                </a:solidFill>
+                <a:effectLst/>
+              </a:rPr>
+              <a:t> (</a:t>
+            </a:r>
+            <a:r>
+              <a:rPr lang="fr-FR" sz="1200" b="0" dirty="0" err="1">
+                <a:solidFill>
+                  <a:srgbClr val="C586C0"/>
+                </a:solidFill>
+                <a:effectLst/>
+                <a:latin typeface="Menlo" panose="020B0609030804020204" pitchFamily="49" charset="0"/>
+              </a:rPr>
+              <a:t>from</a:t>
+            </a:r>
+            <a:r>
+              <a:rPr lang="fr-FR" sz="1200" b="0" dirty="0">
+                <a:solidFill>
+                  <a:srgbClr val="CCCCCC"/>
+                </a:solidFill>
+                <a:effectLst/>
+                <a:latin typeface="Menlo" panose="020B0609030804020204" pitchFamily="49" charset="0"/>
+              </a:rPr>
+              <a:t> </a:t>
+            </a:r>
+            <a:r>
+              <a:rPr lang="fr-FR" sz="1200" b="0" dirty="0" err="1">
+                <a:solidFill>
+                  <a:srgbClr val="4EC9B0"/>
+                </a:solidFill>
+                <a:effectLst/>
+                <a:latin typeface="Menlo" panose="020B0609030804020204" pitchFamily="49" charset="0"/>
+              </a:rPr>
+              <a:t>scipy</a:t>
+            </a:r>
+            <a:r>
+              <a:rPr lang="fr-FR" sz="1200" b="0" dirty="0" err="1">
+                <a:solidFill>
+                  <a:srgbClr val="CCCCCC"/>
+                </a:solidFill>
+                <a:effectLst/>
+                <a:latin typeface="Menlo" panose="020B0609030804020204" pitchFamily="49" charset="0"/>
+              </a:rPr>
+              <a:t>.</a:t>
+            </a:r>
+            <a:r>
+              <a:rPr lang="fr-FR" sz="1200" b="0" dirty="0" err="1">
+                <a:solidFill>
+                  <a:srgbClr val="4EC9B0"/>
+                </a:solidFill>
+                <a:effectLst/>
+                <a:latin typeface="Menlo" panose="020B0609030804020204" pitchFamily="49" charset="0"/>
+              </a:rPr>
+              <a:t>signal</a:t>
+            </a:r>
+            <a:r>
+              <a:rPr lang="fr-FR" sz="1200" b="0" dirty="0">
+                <a:solidFill>
+                  <a:srgbClr val="CCCCCC"/>
+                </a:solidFill>
+                <a:effectLst/>
+                <a:latin typeface="Menlo" panose="020B0609030804020204" pitchFamily="49" charset="0"/>
+              </a:rPr>
+              <a:t> </a:t>
+            </a:r>
+            <a:r>
+              <a:rPr lang="fr-FR" sz="1200" b="0" dirty="0">
+                <a:solidFill>
+                  <a:srgbClr val="C586C0"/>
+                </a:solidFill>
+                <a:effectLst/>
+                <a:latin typeface="Menlo" panose="020B0609030804020204" pitchFamily="49" charset="0"/>
+              </a:rPr>
+              <a:t>import</a:t>
+            </a:r>
+            <a:r>
+              <a:rPr lang="fr-FR" sz="1200" b="0" dirty="0">
+                <a:solidFill>
+                  <a:srgbClr val="CCCCCC"/>
+                </a:solidFill>
+                <a:effectLst/>
+                <a:latin typeface="Menlo" panose="020B0609030804020204" pitchFamily="49" charset="0"/>
+              </a:rPr>
+              <a:t> </a:t>
+            </a:r>
+            <a:r>
+              <a:rPr lang="fr-FR" sz="1200" b="0" dirty="0">
+                <a:solidFill>
+                  <a:srgbClr val="DCDCAA"/>
+                </a:solidFill>
+                <a:effectLst/>
+                <a:latin typeface="Menlo" panose="020B0609030804020204" pitchFamily="49" charset="0"/>
+              </a:rPr>
+              <a:t>butter</a:t>
+            </a:r>
+            <a:r>
+              <a:rPr lang="fr-FR" sz="1200" b="0" dirty="0">
+                <a:solidFill>
+                  <a:srgbClr val="CCCCCC"/>
+                </a:solidFill>
+                <a:effectLst/>
+                <a:latin typeface="Menlo" panose="020B0609030804020204" pitchFamily="49" charset="0"/>
+              </a:rPr>
+              <a:t>, </a:t>
+            </a:r>
+            <a:r>
+              <a:rPr lang="fr-FR" sz="1200" b="0" dirty="0" err="1">
+                <a:solidFill>
+                  <a:srgbClr val="DCDCAA"/>
+                </a:solidFill>
+                <a:effectLst/>
+                <a:latin typeface="Menlo" panose="020B0609030804020204" pitchFamily="49" charset="0"/>
+              </a:rPr>
+              <a:t>filtfilt</a:t>
+            </a:r>
+            <a:r>
+              <a:rPr lang="fr-FR" sz="1200" b="1" i="0" u="sng" strike="noStrike" dirty="0">
+                <a:solidFill>
+                  <a:srgbClr val="000000"/>
+                </a:solidFill>
+                <a:effectLst/>
+              </a:rPr>
+              <a:t>)</a:t>
+            </a:r>
+            <a:endParaRPr lang="fr-FR" sz="1200" b="0" i="0" u="none" strike="noStrike" dirty="0">
+              <a:solidFill>
+                <a:srgbClr val="000000"/>
+              </a:solidFill>
+              <a:effectLst/>
+            </a:endParaRPr>
+          </a:p>
+          <a:p>
+            <a:pPr marL="742950" lvl="1" indent="-285750">
+              <a:buFont typeface="Arial" panose="020B0604020202020204" pitchFamily="34" charset="0"/>
+              <a:buChar char="•"/>
+            </a:pPr>
+            <a:r>
+              <a:rPr lang="fr-FR" sz="2400" b="0" i="0" u="none" strike="noStrike" dirty="0">
+                <a:solidFill>
+                  <a:srgbClr val="000000"/>
+                </a:solidFill>
+                <a:effectLst/>
+              </a:rPr>
+              <a:t>Très utilisé en signal </a:t>
+            </a:r>
+            <a:r>
+              <a:rPr lang="fr-FR" sz="2400" b="0" i="0" u="none" strike="noStrike" dirty="0" err="1">
+                <a:solidFill>
+                  <a:srgbClr val="000000"/>
+                </a:solidFill>
+                <a:effectLst/>
+              </a:rPr>
+              <a:t>processing</a:t>
+            </a:r>
+            <a:endParaRPr lang="fr-FR" sz="2400" dirty="0">
+              <a:solidFill>
+                <a:srgbClr val="000000"/>
+              </a:solidFill>
+            </a:endParaRPr>
+          </a:p>
+          <a:p>
+            <a:pPr marL="742950" lvl="1" indent="-285750">
+              <a:buFont typeface="Arial" panose="020B0604020202020204" pitchFamily="34" charset="0"/>
+              <a:buChar char="•"/>
+            </a:pPr>
+            <a:r>
+              <a:rPr lang="fr-FR" sz="2400" dirty="0">
+                <a:solidFill>
+                  <a:srgbClr val="000000"/>
+                </a:solidFill>
+              </a:rPr>
+              <a:t>Rôle : Atténue les fréquences en dehors de la zone de fréquence souhaitée</a:t>
+            </a:r>
+          </a:p>
+          <a:p>
+            <a:pPr marL="742950" lvl="1" indent="-285750">
+              <a:buFont typeface="Arial" panose="020B0604020202020204" pitchFamily="34" charset="0"/>
+              <a:buChar char="•"/>
+            </a:pPr>
+            <a:r>
+              <a:rPr lang="fr-FR" sz="2400" dirty="0">
+                <a:solidFill>
+                  <a:srgbClr val="FF0000"/>
+                </a:solidFill>
+              </a:rPr>
+              <a:t>Théorie à travailler? Si on a le temps!!</a:t>
+            </a:r>
+          </a:p>
+        </p:txBody>
+      </p:sp>
+    </p:spTree>
+    <p:extLst>
+      <p:ext uri="{BB962C8B-B14F-4D97-AF65-F5344CB8AC3E}">
+        <p14:creationId xmlns:p14="http://schemas.microsoft.com/office/powerpoint/2010/main" val="3447381380"/>
+      </p:ext>
+    </p:extLst>
+  </p:cSld>
+  <p:clrMapOvr>
+    <a:masterClrMapping/>
+  </p:clrMapOvr>
+</p:sld>
+</file>
+
+<file path=ppt/slides/slide12.xml><?xml version="1.0" encoding="utf-8"?>
+<p:sld xmlns:a="http://schemas.openxmlformats.org/drawingml/2006/main" xmlns:r="http://schemas.openxmlformats.org/officeDocument/2006/relationships" xmlns:p="http://schemas.openxmlformats.org/presentationml/2006/main">
+  <p:cSld>
+    <p:spTree>
+      <p:nvGrpSpPr>
+        <p:cNvPr id="1" name="">
+          <a:extLst>
+            <a:ext uri="{FF2B5EF4-FFF2-40B4-BE49-F238E27FC236}">
+              <a16:creationId xmlns:a16="http://schemas.microsoft.com/office/drawing/2014/main" id="{B8125AE3-7AD0-9AA9-9C54-C181A1E2132C}"/>
+            </a:ext>
+          </a:extLst>
+        </p:cNvPr>
+        <p:cNvGrpSpPr/>
+        <p:nvPr/>
+      </p:nvGrpSpPr>
+      <p:grpSpPr>
+        <a:xfrm>
+          <a:off x="0" y="0"/>
+          <a:ext cx="0" cy="0"/>
+          <a:chOff x="0" y="0"/>
+          <a:chExt cx="0" cy="0"/>
+        </a:xfrm>
+      </p:grpSpPr>
+      <p:sp>
+        <p:nvSpPr>
+          <p:cNvPr id="5" name="Espace réservé du numéro de diapositive 4">
+            <a:extLst>
+              <a:ext uri="{FF2B5EF4-FFF2-40B4-BE49-F238E27FC236}">
+                <a16:creationId xmlns:a16="http://schemas.microsoft.com/office/drawing/2014/main" id="{BD79C940-85CA-2CBB-901D-93F0707EB4B8}"/>
+              </a:ext>
+            </a:extLst>
+          </p:cNvPr>
+          <p:cNvSpPr>
+            <a:spLocks noGrp="1"/>
+          </p:cNvSpPr>
+          <p:nvPr>
+            <p:ph type="sldNum" sz="quarter" idx="12"/>
+          </p:nvPr>
+        </p:nvSpPr>
+        <p:spPr/>
+        <p:txBody>
+          <a:bodyPr/>
+          <a:lstStyle/>
+          <a:p>
+            <a:fld id="{E89C7986-48BB-8D49-A26D-6F9777E96737}" type="slidenum">
+              <a:rPr lang="fr-FR" smtClean="0"/>
+              <a:t>12</a:t>
+            </a:fld>
+            <a:endParaRPr lang="fr-FR"/>
+          </a:p>
+        </p:txBody>
+      </p:sp>
+      <p:pic>
+        <p:nvPicPr>
+          <p:cNvPr id="4" name="Image 3">
+            <a:extLst>
+              <a:ext uri="{FF2B5EF4-FFF2-40B4-BE49-F238E27FC236}">
+                <a16:creationId xmlns:a16="http://schemas.microsoft.com/office/drawing/2014/main" id="{F03AE6C8-E8A7-6940-620A-A79CAB903F1F}"/>
+              </a:ext>
+            </a:extLst>
+          </p:cNvPr>
+          <p:cNvPicPr>
+            <a:picLocks noChangeAspect="1"/>
+          </p:cNvPicPr>
+          <p:nvPr/>
+        </p:nvPicPr>
+        <p:blipFill>
+          <a:blip r:embed="rId2"/>
+          <a:stretch>
+            <a:fillRect/>
+          </a:stretch>
+        </p:blipFill>
+        <p:spPr>
+          <a:xfrm>
+            <a:off x="665931" y="-2422"/>
+            <a:ext cx="10225846" cy="6803486"/>
+          </a:xfrm>
+          <a:prstGeom prst="rect">
+            <a:avLst/>
+          </a:prstGeom>
+        </p:spPr>
+      </p:pic>
     </p:spTree>
     <p:extLst>
       <p:ext uri="{BB962C8B-B14F-4D97-AF65-F5344CB8AC3E}">
@@ -5265,22 +5127,21 @@
               <a:t> ? </a:t>
             </a:r>
             <a:r>
-              <a:rPr lang="fr-FR" dirty="0">
-                <a:solidFill>
-                  <a:srgbClr val="000000"/>
-                </a:solidFill>
-              </a:rPr>
-              <a:t>o</a:t>
-            </a:r>
-            <a:r>
               <a:rPr lang="fr-FR" sz="2800" i="0" strike="noStrike" dirty="0">
                 <a:solidFill>
                   <a:srgbClr val="000000"/>
                 </a:solidFill>
                 <a:effectLst/>
-              </a:rPr>
-              <a:t>ui/non</a:t>
-            </a:r>
+                <a:sym typeface="Wingdings" pitchFamily="2" charset="2"/>
+              </a:rPr>
+              <a:t> non</a:t>
+            </a:r>
+            <a:endParaRPr lang="fr-FR" sz="2800" i="0" strike="noStrike" dirty="0">
+              <a:solidFill>
+                <a:srgbClr val="000000"/>
+              </a:solidFill>
+              <a:effectLst/>
+            </a:endParaRPr>
           </a:p>
           <a:p>
             <a:r>
@@ -5427,6 +5288,642 @@
     <p:extLst>
       <p:ext uri="{BB962C8B-B14F-4D97-AF65-F5344CB8AC3E}">
         <p14:creationId xmlns:p14="http://schemas.microsoft.com/office/powerpoint/2010/main" val="1138943819"/>
+      </p:ext>
+    </p:extLst>
+  </p:cSld>
+  <p:clrMapOvr>
+    <a:masterClrMapping/>
+  </p:clrMapOvr>
+</p:sld>
+</file>
+
+<file path=ppt/slides/slide14.xml><?xml version="1.0" encoding="utf-8"?>
+<p:sld xmlns:a="http://schemas.openxmlformats.org/drawingml/2006/main" xmlns:r="http://schemas.openxmlformats.org/officeDocument/2006/relationships" xmlns:p="http://schemas.openxmlformats.org/presentationml/2006/main">
+  <p:cSld>
+    <p:spTree>
+      <p:nvGrpSpPr>
+        <p:cNvPr id="1" name="">
+          <a:extLst>
+            <a:ext uri="{FF2B5EF4-FFF2-40B4-BE49-F238E27FC236}">
+              <a16:creationId xmlns:a16="http://schemas.microsoft.com/office/drawing/2014/main" id="{44CA0EF2-1CD8-9DD5-4337-5F7B6F5E0A10}"/>
+            </a:ext>
+          </a:extLst>
+        </p:cNvPr>
+        <p:cNvGrpSpPr/>
+        <p:nvPr/>
+      </p:nvGrpSpPr>
+      <p:grpSpPr>
+        <a:xfrm>
+          <a:off x="0" y="0"/>
+          <a:ext cx="0" cy="0"/>
+          <a:chOff x="0" y="0"/>
+          <a:chExt cx="0" cy="0"/>
+        </a:xfrm>
+      </p:grpSpPr>
+      <p:sp>
+        <p:nvSpPr>
+          <p:cNvPr id="2" name="Titre 1">
+            <a:extLst>
+              <a:ext uri="{FF2B5EF4-FFF2-40B4-BE49-F238E27FC236}">
+                <a16:creationId xmlns:a16="http://schemas.microsoft.com/office/drawing/2014/main" id="{DC7E7A67-BD4F-90F6-7CB5-0F4E6A48D9D5}"/>
+              </a:ext>
+            </a:extLst>
+          </p:cNvPr>
+          <p:cNvSpPr>
+            <a:spLocks noGrp="1"/>
+          </p:cNvSpPr>
+          <p:nvPr>
+            <p:ph type="title"/>
+          </p:nvPr>
+        </p:nvSpPr>
+        <p:spPr/>
+        <p:txBody>
+          <a:bodyPr/>
+          <a:lstStyle/>
+          <a:p>
+            <a:r>
+              <a:rPr lang="fr-FR" dirty="0"/>
+              <a:t>Pourquoi </a:t>
+            </a:r>
+            <a:r>
+              <a:rPr lang="fr-FR" dirty="0" err="1"/>
+              <a:t>Butterworth</a:t>
+            </a:r>
+            <a:r>
+              <a:rPr lang="fr-FR" dirty="0"/>
+              <a:t> ?</a:t>
+            </a:r>
+          </a:p>
+        </p:txBody>
+      </p:sp>
+      <p:sp>
+        <p:nvSpPr>
+          <p:cNvPr id="4" name="Espace réservé du numéro de diapositive 3">
+            <a:extLst>
+              <a:ext uri="{FF2B5EF4-FFF2-40B4-BE49-F238E27FC236}">
+                <a16:creationId xmlns:a16="http://schemas.microsoft.com/office/drawing/2014/main" id="{136EA183-AF4E-468A-A06A-EEDE3A39A9C7}"/>
+              </a:ext>
+            </a:extLst>
+          </p:cNvPr>
+          <p:cNvSpPr>
+            <a:spLocks noGrp="1"/>
+          </p:cNvSpPr>
+          <p:nvPr>
+            <p:ph type="sldNum" sz="quarter" idx="12"/>
+          </p:nvPr>
+        </p:nvSpPr>
+        <p:spPr/>
+        <p:txBody>
+          <a:bodyPr/>
+          <a:lstStyle/>
+          <a:p>
+            <a:fld id="{E89C7986-48BB-8D49-A26D-6F9777E96737}" type="slidenum">
+              <a:rPr lang="fr-FR" smtClean="0"/>
+              <a:t>14</a:t>
+            </a:fld>
+            <a:endParaRPr lang="fr-FR"/>
+          </a:p>
+        </p:txBody>
+      </p:sp>
+      <p:graphicFrame>
+        <p:nvGraphicFramePr>
+          <p:cNvPr id="9" name="Tableau 8">
+            <a:extLst>
+              <a:ext uri="{FF2B5EF4-FFF2-40B4-BE49-F238E27FC236}">
+                <a16:creationId xmlns:a16="http://schemas.microsoft.com/office/drawing/2014/main" id="{CC059EED-24C2-C0CE-F00F-C6BE51917474}"/>
+              </a:ext>
+            </a:extLst>
+          </p:cNvPr>
+          <p:cNvGraphicFramePr>
+            <a:graphicFrameLocks noGrp="1"/>
+          </p:cNvGraphicFramePr>
+          <p:nvPr>
+            <p:extLst>
+              <p:ext uri="{D42A27DB-BD31-4B8C-83A1-F6EECF244321}">
+                <p14:modId xmlns:p14="http://schemas.microsoft.com/office/powerpoint/2010/main" val="169042145"/>
+              </p:ext>
+            </p:extLst>
+          </p:nvPr>
+        </p:nvGraphicFramePr>
+        <p:xfrm>
+          <a:off x="1359060" y="3137662"/>
+          <a:ext cx="9302264" cy="3583813"/>
+        </p:xfrm>
+        <a:graphic>
+          <a:graphicData uri="http://schemas.openxmlformats.org/drawingml/2006/table">
+            <a:tbl>
+              <a:tblPr>
+                <a:tableStyleId>{D7AC3CCA-C797-4891-BE02-D94E43425B78}</a:tableStyleId>
+              </a:tblPr>
+              <a:tblGrid>
+                <a:gridCol w="2325566">
+                  <a:extLst>
+                    <a:ext uri="{9D8B030D-6E8A-4147-A177-3AD203B41FA5}">
+                      <a16:colId xmlns:a16="http://schemas.microsoft.com/office/drawing/2014/main" val="2325868306"/>
+                    </a:ext>
+                  </a:extLst>
+                </a:gridCol>
+                <a:gridCol w="2325566">
+                  <a:extLst>
+                    <a:ext uri="{9D8B030D-6E8A-4147-A177-3AD203B41FA5}">
+                      <a16:colId xmlns:a16="http://schemas.microsoft.com/office/drawing/2014/main" val="4270531998"/>
+                    </a:ext>
+                  </a:extLst>
+                </a:gridCol>
+                <a:gridCol w="2325566">
+                  <a:extLst>
+                    <a:ext uri="{9D8B030D-6E8A-4147-A177-3AD203B41FA5}">
+                      <a16:colId xmlns:a16="http://schemas.microsoft.com/office/drawing/2014/main" val="1591685998"/>
+                    </a:ext>
+                  </a:extLst>
+                </a:gridCol>
+                <a:gridCol w="2325566">
+                  <a:extLst>
+                    <a:ext uri="{9D8B030D-6E8A-4147-A177-3AD203B41FA5}">
+                      <a16:colId xmlns:a16="http://schemas.microsoft.com/office/drawing/2014/main" val="2566695870"/>
+                    </a:ext>
+                  </a:extLst>
+                </a:gridCol>
+              </a:tblGrid>
+              <a:tr h="297813">
+                <a:tc>
+                  <a:txBody>
+                    <a:bodyPr/>
+                    <a:lstStyle/>
+                    <a:p>
+                      <a:pPr algn="ctr"/>
+                      <a:r>
+                        <a:rPr lang="fr-FR" sz="1400" b="1" dirty="0"/>
+                        <a:t>Filtre</a:t>
+                      </a:r>
+                    </a:p>
+                  </a:txBody>
+                  <a:tcPr marL="90653" marR="90653" marT="45326" marB="45326" anchor="ctr"/>
+                </a:tc>
+                <a:tc>
+                  <a:txBody>
+                    <a:bodyPr/>
+                    <a:lstStyle/>
+                    <a:p>
+                      <a:pPr algn="ctr"/>
+                      <a:r>
+                        <a:rPr lang="fr-FR" sz="1400" b="1" dirty="0"/>
+                        <a:t>Utilisation en EEG</a:t>
+                      </a:r>
+                    </a:p>
+                  </a:txBody>
+                  <a:tcPr marL="90653" marR="90653" marT="45326" marB="45326" anchor="ctr"/>
+                </a:tc>
+                <a:tc>
+                  <a:txBody>
+                    <a:bodyPr/>
+                    <a:lstStyle/>
+                    <a:p>
+                      <a:pPr algn="ctr"/>
+                      <a:r>
+                        <a:rPr lang="fr-FR" sz="1400" b="1" dirty="0"/>
+                        <a:t>Avantages</a:t>
+                      </a:r>
+                    </a:p>
+                  </a:txBody>
+                  <a:tcPr marL="90653" marR="90653" marT="45326" marB="45326" anchor="ctr"/>
+                </a:tc>
+                <a:tc>
+                  <a:txBody>
+                    <a:bodyPr/>
+                    <a:lstStyle/>
+                    <a:p>
+                      <a:pPr algn="ctr"/>
+                      <a:r>
+                        <a:rPr lang="fr-FR" sz="1400" b="1" dirty="0"/>
+                        <a:t>Inconvénients</a:t>
+                      </a:r>
+                    </a:p>
+                  </a:txBody>
+                  <a:tcPr marL="90653" marR="90653" marT="45326" marB="45326" anchor="ctr"/>
+                </a:tc>
+                <a:extLst>
+                  <a:ext uri="{0D108BD9-81ED-4DB2-BD59-A6C34878D82A}">
+                    <a16:rowId xmlns:a16="http://schemas.microsoft.com/office/drawing/2014/main" val="2995073324"/>
+                  </a:ext>
+                </a:extLst>
+              </a:tr>
+              <a:tr h="521655">
+                <a:tc>
+                  <a:txBody>
+                    <a:bodyPr/>
+                    <a:lstStyle/>
+                    <a:p>
+                      <a:pPr algn="ctr"/>
+                      <a:r>
+                        <a:rPr lang="fr-FR" sz="1400" b="1" dirty="0" err="1">
+                          <a:solidFill>
+                            <a:srgbClr val="FF0000"/>
+                          </a:solidFill>
+                        </a:rPr>
+                        <a:t>Butterworth</a:t>
+                      </a:r>
+                      <a:endParaRPr lang="fr-FR" sz="1400" dirty="0">
+                        <a:solidFill>
+                          <a:srgbClr val="FF0000"/>
+                        </a:solidFill>
+                      </a:endParaRPr>
+                    </a:p>
+                  </a:txBody>
+                  <a:tcPr marL="90653" marR="90653" marT="45326" marB="45326" anchor="ctr"/>
+                </a:tc>
+                <a:tc>
+                  <a:txBody>
+                    <a:bodyPr/>
+                    <a:lstStyle/>
+                    <a:p>
+                      <a:pPr algn="ctr"/>
+                      <a:r>
+                        <a:rPr lang="fr-FR" sz="1400" dirty="0">
+                          <a:solidFill>
+                            <a:srgbClr val="FF0000"/>
+                          </a:solidFill>
+                        </a:rPr>
+                        <a:t>Le plus courant</a:t>
+                      </a:r>
+                    </a:p>
+                  </a:txBody>
+                  <a:tcPr marL="90653" marR="90653" marT="45326" marB="45326" anchor="ctr"/>
+                </a:tc>
+                <a:tc>
+                  <a:txBody>
+                    <a:bodyPr/>
+                    <a:lstStyle/>
+                    <a:p>
+                      <a:pPr algn="ctr"/>
+                      <a:r>
+                        <a:rPr lang="fr-FR" sz="1400" dirty="0">
+                          <a:solidFill>
+                            <a:srgbClr val="FF0000"/>
+                          </a:solidFill>
+                        </a:rPr>
+                        <a:t>Réponse lisse, pas d’ondulation, stable</a:t>
+                      </a:r>
+                    </a:p>
+                  </a:txBody>
+                  <a:tcPr marL="90653" marR="90653" marT="45326" marB="45326" anchor="ctr"/>
+                </a:tc>
+                <a:tc>
+                  <a:txBody>
+                    <a:bodyPr/>
+                    <a:lstStyle/>
+                    <a:p>
+                      <a:pPr algn="ctr"/>
+                      <a:r>
+                        <a:rPr lang="fr-FR" sz="1400" dirty="0">
+                          <a:solidFill>
+                            <a:srgbClr val="FF0000"/>
+                          </a:solidFill>
+                        </a:rPr>
+                        <a:t>Phase non linéaire (corrigée par </a:t>
+                      </a:r>
+                      <a:r>
+                        <a:rPr lang="fr-FR" sz="1400" dirty="0" err="1">
+                          <a:solidFill>
+                            <a:srgbClr val="FF0000"/>
+                          </a:solidFill>
+                        </a:rPr>
+                        <a:t>filtfilt</a:t>
+                      </a:r>
+                      <a:r>
+                        <a:rPr lang="fr-FR" sz="1400" dirty="0">
+                          <a:solidFill>
+                            <a:srgbClr val="FF0000"/>
+                          </a:solidFill>
+                        </a:rPr>
+                        <a:t>)</a:t>
+                      </a:r>
+                    </a:p>
+                  </a:txBody>
+                  <a:tcPr marL="90653" marR="90653" marT="45326" marB="45326" anchor="ctr"/>
+                </a:tc>
+                <a:extLst>
+                  <a:ext uri="{0D108BD9-81ED-4DB2-BD59-A6C34878D82A}">
+                    <a16:rowId xmlns:a16="http://schemas.microsoft.com/office/drawing/2014/main" val="332581130"/>
+                  </a:ext>
+                </a:extLst>
+              </a:tr>
+              <a:tr h="521655">
+                <a:tc>
+                  <a:txBody>
+                    <a:bodyPr/>
+                    <a:lstStyle/>
+                    <a:p>
+                      <a:pPr algn="ctr"/>
+                      <a:r>
+                        <a:rPr lang="fr-FR" sz="1400" b="1" dirty="0"/>
+                        <a:t>Bessel</a:t>
+                      </a:r>
+                      <a:endParaRPr lang="fr-FR" sz="1400" dirty="0"/>
+                    </a:p>
+                  </a:txBody>
+                  <a:tcPr marL="90653" marR="90653" marT="45326" marB="45326" anchor="ctr"/>
+                </a:tc>
+                <a:tc>
+                  <a:txBody>
+                    <a:bodyPr/>
+                    <a:lstStyle/>
+                    <a:p>
+                      <a:pPr algn="ctr"/>
+                      <a:r>
+                        <a:rPr lang="fr-FR" sz="1400" dirty="0"/>
+                        <a:t>Préservation de la forme d’onde</a:t>
+                      </a:r>
+                    </a:p>
+                  </a:txBody>
+                  <a:tcPr marL="90653" marR="90653" marT="45326" marB="45326" anchor="ctr"/>
+                </a:tc>
+                <a:tc>
+                  <a:txBody>
+                    <a:bodyPr/>
+                    <a:lstStyle/>
+                    <a:p>
+                      <a:pPr algn="ctr"/>
+                      <a:r>
+                        <a:rPr lang="fr-FR" sz="1400"/>
+                        <a:t>Phase linéaire</a:t>
+                      </a:r>
+                    </a:p>
+                  </a:txBody>
+                  <a:tcPr marL="90653" marR="90653" marT="45326" marB="45326" anchor="ctr"/>
+                </a:tc>
+                <a:tc>
+                  <a:txBody>
+                    <a:bodyPr/>
+                    <a:lstStyle/>
+                    <a:p>
+                      <a:pPr algn="ctr"/>
+                      <a:r>
+                        <a:rPr lang="fr-FR" sz="1400"/>
+                        <a:t>Moins efficace pour atténuer</a:t>
+                      </a:r>
+                    </a:p>
+                  </a:txBody>
+                  <a:tcPr marL="90653" marR="90653" marT="45326" marB="45326" anchor="ctr"/>
+                </a:tc>
+                <a:extLst>
+                  <a:ext uri="{0D108BD9-81ED-4DB2-BD59-A6C34878D82A}">
+                    <a16:rowId xmlns:a16="http://schemas.microsoft.com/office/drawing/2014/main" val="4265877067"/>
+                  </a:ext>
+                </a:extLst>
+              </a:tr>
+              <a:tr h="745497">
+                <a:tc>
+                  <a:txBody>
+                    <a:bodyPr/>
+                    <a:lstStyle/>
+                    <a:p>
+                      <a:pPr algn="ctr"/>
+                      <a:r>
+                        <a:rPr lang="fr-FR" sz="1400" b="1" dirty="0" err="1"/>
+                        <a:t>Chebyshev</a:t>
+                      </a:r>
+                      <a:r>
+                        <a:rPr lang="fr-FR" sz="1400" b="1" dirty="0"/>
+                        <a:t> I/II</a:t>
+                      </a:r>
+                      <a:endParaRPr lang="fr-FR" sz="1400" dirty="0"/>
+                    </a:p>
+                  </a:txBody>
+                  <a:tcPr marL="90653" marR="90653" marT="45326" marB="45326" anchor="ctr"/>
+                </a:tc>
+                <a:tc>
+                  <a:txBody>
+                    <a:bodyPr/>
+                    <a:lstStyle/>
+                    <a:p>
+                      <a:pPr algn="ctr"/>
+                      <a:r>
+                        <a:rPr lang="fr-FR" sz="1400"/>
+                        <a:t>Situations nécessitant une meilleure sélectivité (artefacts)</a:t>
+                      </a:r>
+                    </a:p>
+                  </a:txBody>
+                  <a:tcPr marL="90653" marR="90653" marT="45326" marB="45326" anchor="ctr"/>
+                </a:tc>
+                <a:tc>
+                  <a:txBody>
+                    <a:bodyPr/>
+                    <a:lstStyle/>
+                    <a:p>
+                      <a:pPr algn="ctr"/>
+                      <a:r>
+                        <a:rPr lang="fr-FR" sz="1400" dirty="0"/>
+                        <a:t>Transition rapide</a:t>
+                      </a:r>
+                    </a:p>
+                  </a:txBody>
+                  <a:tcPr marL="90653" marR="90653" marT="45326" marB="45326" anchor="ctr"/>
+                </a:tc>
+                <a:tc>
+                  <a:txBody>
+                    <a:bodyPr/>
+                    <a:lstStyle/>
+                    <a:p>
+                      <a:pPr algn="ctr"/>
+                      <a:r>
+                        <a:rPr lang="fr-FR" sz="1400"/>
+                        <a:t>Ondulations dans gain, pas adapté aux EEG</a:t>
+                      </a:r>
+                    </a:p>
+                  </a:txBody>
+                  <a:tcPr marL="90653" marR="90653" marT="45326" marB="45326" anchor="ctr"/>
+                </a:tc>
+                <a:extLst>
+                  <a:ext uri="{0D108BD9-81ED-4DB2-BD59-A6C34878D82A}">
+                    <a16:rowId xmlns:a16="http://schemas.microsoft.com/office/drawing/2014/main" val="2501477224"/>
+                  </a:ext>
+                </a:extLst>
+              </a:tr>
+              <a:tr h="745497">
+                <a:tc>
+                  <a:txBody>
+                    <a:bodyPr/>
+                    <a:lstStyle/>
+                    <a:p>
+                      <a:pPr algn="ctr"/>
+                      <a:r>
+                        <a:rPr lang="fr-FR" sz="1400" b="1" dirty="0"/>
+                        <a:t>Elliptique</a:t>
+                      </a:r>
+                      <a:endParaRPr lang="fr-FR" sz="1400" dirty="0"/>
+                    </a:p>
+                  </a:txBody>
+                  <a:tcPr marL="90653" marR="90653" marT="45326" marB="45326" anchor="ctr"/>
+                </a:tc>
+                <a:tc>
+                  <a:txBody>
+                    <a:bodyPr/>
+                    <a:lstStyle/>
+                    <a:p>
+                      <a:pPr algn="ctr"/>
+                      <a:r>
+                        <a:rPr lang="fr-FR" sz="1400" dirty="0"/>
+                        <a:t>Cas très spécifiques (fort bruit électromagnétique)</a:t>
+                      </a:r>
+                    </a:p>
+                  </a:txBody>
+                  <a:tcPr marL="90653" marR="90653" marT="45326" marB="45326" anchor="ctr"/>
+                </a:tc>
+                <a:tc>
+                  <a:txBody>
+                    <a:bodyPr/>
+                    <a:lstStyle/>
+                    <a:p>
+                      <a:pPr algn="ctr"/>
+                      <a:r>
+                        <a:rPr lang="fr-FR" sz="1400" dirty="0"/>
+                        <a:t>Très sélectif</a:t>
+                      </a:r>
+                    </a:p>
+                  </a:txBody>
+                  <a:tcPr marL="90653" marR="90653" marT="45326" marB="45326" anchor="ctr"/>
+                </a:tc>
+                <a:tc>
+                  <a:txBody>
+                    <a:bodyPr/>
+                    <a:lstStyle/>
+                    <a:p>
+                      <a:pPr algn="ctr"/>
+                      <a:r>
+                        <a:rPr lang="fr-FR" sz="1400" dirty="0"/>
+                        <a:t>Fortes ondulations, phase très non linéaire</a:t>
+                      </a:r>
+                    </a:p>
+                  </a:txBody>
+                  <a:tcPr marL="90653" marR="90653" marT="45326" marB="45326" anchor="ctr"/>
+                </a:tc>
+                <a:extLst>
+                  <a:ext uri="{0D108BD9-81ED-4DB2-BD59-A6C34878D82A}">
+                    <a16:rowId xmlns:a16="http://schemas.microsoft.com/office/drawing/2014/main" val="764436401"/>
+                  </a:ext>
+                </a:extLst>
+              </a:tr>
+              <a:tr h="745497">
+                <a:tc>
+                  <a:txBody>
+                    <a:bodyPr/>
+                    <a:lstStyle/>
+                    <a:p>
+                      <a:pPr algn="ctr"/>
+                      <a:r>
+                        <a:rPr lang="fr-FR" sz="1400" b="1" dirty="0"/>
+                        <a:t>FIR (à phase linéaire)</a:t>
+                      </a:r>
+                      <a:endParaRPr lang="fr-FR" sz="1400" dirty="0"/>
+                    </a:p>
+                  </a:txBody>
+                  <a:tcPr marL="90653" marR="90653" marT="45326" marB="45326" anchor="ctr"/>
+                </a:tc>
+                <a:tc>
+                  <a:txBody>
+                    <a:bodyPr/>
+                    <a:lstStyle/>
+                    <a:p>
+                      <a:pPr algn="ctr"/>
+                      <a:r>
+                        <a:rPr lang="fr-FR" sz="1400"/>
+                        <a:t>EEG temps réel ou analyse précise temporelle</a:t>
+                      </a:r>
+                    </a:p>
+                  </a:txBody>
+                  <a:tcPr marL="90653" marR="90653" marT="45326" marB="45326" anchor="ctr"/>
+                </a:tc>
+                <a:tc>
+                  <a:txBody>
+                    <a:bodyPr/>
+                    <a:lstStyle/>
+                    <a:p>
+                      <a:pPr algn="ctr"/>
+                      <a:r>
+                        <a:rPr lang="fr-FR" sz="1400"/>
+                        <a:t>Phase parfaitement linéaire, stable</a:t>
+                      </a:r>
+                    </a:p>
+                  </a:txBody>
+                  <a:tcPr marL="90653" marR="90653" marT="45326" marB="45326" anchor="ctr"/>
+                </a:tc>
+                <a:tc>
+                  <a:txBody>
+                    <a:bodyPr/>
+                    <a:lstStyle/>
+                    <a:p>
+                      <a:pPr algn="ctr"/>
+                      <a:r>
+                        <a:rPr lang="fr-FR" sz="1400" dirty="0"/>
+                        <a:t>Ordre élevé → plus coûteux</a:t>
+                      </a:r>
+                    </a:p>
+                  </a:txBody>
+                  <a:tcPr marL="90653" marR="90653" marT="45326" marB="45326" anchor="ctr"/>
+                </a:tc>
+                <a:extLst>
+                  <a:ext uri="{0D108BD9-81ED-4DB2-BD59-A6C34878D82A}">
+                    <a16:rowId xmlns:a16="http://schemas.microsoft.com/office/drawing/2014/main" val="3598064582"/>
+                  </a:ext>
+                </a:extLst>
+              </a:tr>
+            </a:tbl>
+          </a:graphicData>
+        </a:graphic>
+      </p:graphicFrame>
+      <p:sp>
+        <p:nvSpPr>
+          <p:cNvPr id="11" name="ZoneTexte 10">
+            <a:extLst>
+              <a:ext uri="{FF2B5EF4-FFF2-40B4-BE49-F238E27FC236}">
+                <a16:creationId xmlns:a16="http://schemas.microsoft.com/office/drawing/2014/main" id="{5C906B9A-0446-8CDA-64CB-061EC23041E4}"/>
+              </a:ext>
+            </a:extLst>
+          </p:cNvPr>
+          <p:cNvSpPr txBox="1"/>
+          <p:nvPr/>
+        </p:nvSpPr>
+        <p:spPr>
+          <a:xfrm>
+            <a:off x="838200" y="1397675"/>
+            <a:ext cx="10515600" cy="1477328"/>
+          </a:xfrm>
+          <a:prstGeom prst="rect">
+            <a:avLst/>
+          </a:prstGeom>
+          <a:noFill/>
+        </p:spPr>
+        <p:txBody>
+          <a:bodyPr wrap="square">
+            <a:spAutoFit/>
+          </a:bodyPr>
+          <a:lstStyle/>
+          <a:p>
+            <a:r>
+              <a:rPr lang="fr-FR" dirty="0"/>
+              <a:t>Les signaux EEG sont : très faibles en amplitude, fortement bruités (bruit musculaire, artefacts oculaires, etc.) et analytiques en fréquence (on analyse des bandes cérébrales)</a:t>
+            </a:r>
+          </a:p>
+          <a:p>
+            <a:endParaRPr lang="fr-FR" dirty="0"/>
+          </a:p>
+          <a:p>
+            <a:r>
+              <a:rPr lang="fr-FR" b="1" dirty="0"/>
+              <a:t>On cherche donc des filtres </a:t>
+            </a:r>
+            <a:r>
+              <a:rPr lang="fr-FR" dirty="0"/>
+              <a:t>qui : préservent l’amplitude réelle des ondes, n’introduisent pas de distorsion temporelle et sont faciles à contrôler numériquement : </a:t>
+            </a:r>
+          </a:p>
+        </p:txBody>
+      </p:sp>
+    </p:spTree>
+    <p:extLst>
+      <p:ext uri="{BB962C8B-B14F-4D97-AF65-F5344CB8AC3E}">
+        <p14:creationId xmlns:p14="http://schemas.microsoft.com/office/powerpoint/2010/main" val="2152208491"/>
       </p:ext>
     </p:extLst>
   </p:cSld>
